--- a/Capstone/poster/Poster Template.pptx
+++ b/Capstone/poster/Poster Template.pptx
@@ -275,11 +275,6 @@
             <a:srgbClr val="A4A3A4"/>
           </p15:clr>
         </p15:guide>
-        <p15:guide id="7" pos="27180">
-          <p15:clr>
-            <a:srgbClr val="747775"/>
-          </p15:clr>
-        </p15:guide>
         <p15:guide id="8" pos="27216">
           <p15:clr>
             <a:srgbClr val="747775"/>
@@ -288,7 +283,7 @@
       </p15:sldGuideLst>
     </p:ext>
     <p:ext uri="GoogleSlidesCustomDataVersion2">
-      <go:slidesCustomData xmlns="" xmlns:mc="http://schemas.openxmlformats.org/markup-compatibility/2006" xmlns:mv="urn:schemas-microsoft-com:mac:vml" xmlns:c="http://schemas.openxmlformats.org/drawingml/2006/chart" xmlns:dgm="http://schemas.openxmlformats.org/drawingml/2006/diagram" xmlns:o="urn:schemas-microsoft-com:office:office" xmlns:v="urn:schemas-microsoft-com:vml" xmlns:pvml="urn:schemas-microsoft-com:office:powerpoint" xmlns:com="http://schemas.openxmlformats.org/drawingml/2006/compatibility" xmlns:p14="http://schemas.microsoft.com/office/powerpoint/2010/main" xmlns:p15="http://schemas.microsoft.com/office/powerpoint/2012/main" xmlns:ahyp="http://schemas.microsoft.com/office/drawing/2018/hyperlinkcolor" xmlns:go="http://customooxmlschemas.google.com/" r:id="rId8" roundtripDataSignature="AMtx7mh4t8ef80AKPBwkoeIFzBJSZZTu8A=="/>
+      <go:slidesCustomData xmlns:go="http://customooxmlschemas.google.com/" xmlns:ahyp="http://schemas.microsoft.com/office/drawing/2018/hyperlinkcolor" xmlns:p15="http://schemas.microsoft.com/office/powerpoint/2012/main" xmlns:p14="http://schemas.microsoft.com/office/powerpoint/2010/main" xmlns:com="http://schemas.openxmlformats.org/drawingml/2006/compatibility" xmlns:pvml="urn:schemas-microsoft-com:office:powerpoint" xmlns:v="urn:schemas-microsoft-com:vml" xmlns:o="urn:schemas-microsoft-com:office:office" xmlns:dgm="http://schemas.openxmlformats.org/drawingml/2006/diagram" xmlns:c="http://schemas.openxmlformats.org/drawingml/2006/chart" xmlns:mv="urn:schemas-microsoft-com:mac:vml" xmlns:mc="http://schemas.openxmlformats.org/markup-compatibility/2006" xmlns="" r:id="rId8" roundtripDataSignature="AMtx7mh4t8ef80AKPBwkoeIFzBJSZZTu8A=="/>
     </p:ext>
   </p:extLst>
 </p:presentation>
@@ -15799,13 +15794,17 @@
         </p:nvSpPr>
         <p:spPr>
           <a:xfrm>
-            <a:off x="7327375" y="302017"/>
-            <a:ext cx="28301568" cy="4203508"/>
+            <a:off x="7327374" y="302017"/>
+            <a:ext cx="28657200" cy="4270085"/>
           </a:xfrm>
           <a:prstGeom prst="round2DiagRect">
             <a:avLst/>
           </a:prstGeom>
-          <a:noFill/>
+          <a:solidFill>
+            <a:schemeClr val="accent4">
+              <a:lumMod val="75000"/>
+            </a:schemeClr>
+          </a:solidFill>
           <a:ln w="28575">
             <a:solidFill>
               <a:schemeClr val="accent4">
@@ -16056,7 +16055,7 @@
         </p:nvSpPr>
         <p:spPr>
           <a:xfrm>
-            <a:off x="1922581" y="22725463"/>
+            <a:off x="1922581" y="22763563"/>
             <a:ext cx="9789049" cy="1510953"/>
           </a:xfrm>
           <a:prstGeom prst="rect">
@@ -16142,7 +16141,7 @@
         </p:nvSpPr>
         <p:spPr>
           <a:xfrm>
-            <a:off x="16916398" y="2676982"/>
+            <a:off x="16587910" y="2943293"/>
             <a:ext cx="10058400" cy="923330"/>
           </a:xfrm>
           <a:prstGeom prst="rect">
@@ -16171,7 +16170,7 @@
             <a:r>
               <a:rPr lang="en-US" sz="5400" dirty="0">
                 <a:solidFill>
-                  <a:schemeClr val="tx1"/>
+                  <a:schemeClr val="bg1"/>
                 </a:solidFill>
                 <a:latin typeface="Garamond" panose="02020404030301010803" pitchFamily="18" charset="0"/>
                 <a:ea typeface="Calibri"/>
@@ -16182,7 +16181,7 @@
             </a:r>
             <a:endParaRPr sz="5400" dirty="0">
               <a:solidFill>
-                <a:schemeClr val="tx1"/>
+                <a:schemeClr val="bg1"/>
               </a:solidFill>
               <a:latin typeface="Garamond" panose="02020404030301010803" pitchFamily="18" charset="0"/>
               <a:ea typeface="Calibri"/>
@@ -16206,8 +16205,8 @@
         </p:nvSpPr>
         <p:spPr>
           <a:xfrm>
-            <a:off x="9272015" y="3600312"/>
-            <a:ext cx="24579072" cy="1118214"/>
+            <a:off x="8737600" y="3866515"/>
+            <a:ext cx="25030095" cy="707846"/>
           </a:xfrm>
           <a:prstGeom prst="rect">
             <a:avLst/>
@@ -16235,30 +16234,7 @@
             <a:r>
               <a:rPr lang="en-US" sz="4000" baseline="30000" dirty="0">
                 <a:solidFill>
-                  <a:schemeClr val="tx1"/>
-                </a:solidFill>
-                <a:latin typeface="Garamond" panose="02020404030301010803" pitchFamily="18" charset="0"/>
-                <a:ea typeface="Calibri"/>
-                <a:cs typeface="Calibri"/>
-                <a:sym typeface="Calibri"/>
-              </a:rPr>
-              <a:t>The George Washington University Department of Data Science</a:t>
-            </a:r>
-          </a:p>
-          <a:p>
-            <a:pPr marL="0" marR="0" lvl="0" indent="0" algn="ctr" rtl="0">
-              <a:spcBef>
-                <a:spcPts val="0"/>
-              </a:spcBef>
-              <a:spcAft>
-                <a:spcPts val="0"/>
-              </a:spcAft>
-              <a:buNone/>
-            </a:pPr>
-            <a:r>
-              <a:rPr lang="en-US" sz="4000" baseline="30000" dirty="0">
-                <a:solidFill>
-                  <a:schemeClr val="tx1"/>
+                  <a:schemeClr val="bg1"/>
                 </a:solidFill>
                 <a:latin typeface="Garamond" panose="02020404030301010803" pitchFamily="18" charset="0"/>
                 <a:ea typeface="Calibri"/>
@@ -16269,7 +16245,7 @@
             </a:r>
             <a:endParaRPr dirty="0">
               <a:solidFill>
-                <a:schemeClr val="tx1"/>
+                <a:schemeClr val="bg1"/>
               </a:solidFill>
               <a:latin typeface="Garamond" panose="02020404030301010803" pitchFamily="18" charset="0"/>
             </a:endParaRPr>
@@ -16473,7 +16449,7 @@
             <a:r>
               <a:rPr lang="en-US" sz="7200" b="1" dirty="0">
                 <a:solidFill>
-                  <a:schemeClr val="tx1"/>
+                  <a:schemeClr val="bg1"/>
                 </a:solidFill>
                 <a:latin typeface="Garamond" panose="02020404030301010803" pitchFamily="18" charset="0"/>
                 <a:ea typeface="Calibri"/>
@@ -16484,7 +16460,7 @@
             </a:r>
             <a:endParaRPr dirty="0">
               <a:solidFill>
-                <a:schemeClr val="tx1"/>
+                <a:schemeClr val="bg1"/>
               </a:solidFill>
               <a:latin typeface="Garamond" panose="02020404030301010803" pitchFamily="18" charset="0"/>
             </a:endParaRPr>
@@ -16505,8 +16481,8 @@
         </p:nvSpPr>
         <p:spPr>
           <a:xfrm>
-            <a:off x="572777" y="21646897"/>
-            <a:ext cx="11896663" cy="818396"/>
+            <a:off x="572778" y="21153071"/>
+            <a:ext cx="12317077" cy="830320"/>
           </a:xfrm>
           <a:prstGeom prst="rect">
             <a:avLst/>
@@ -16602,7 +16578,7 @@
         </p:nvSpPr>
         <p:spPr>
           <a:xfrm>
-            <a:off x="789603" y="22725463"/>
+            <a:off x="789603" y="22763563"/>
             <a:ext cx="894740" cy="784231"/>
           </a:xfrm>
           <a:prstGeom prst="rect">
@@ -16671,7 +16647,7 @@
         </p:nvSpPr>
         <p:spPr>
           <a:xfrm>
-            <a:off x="789603" y="26602438"/>
+            <a:off x="789603" y="26640538"/>
             <a:ext cx="894740" cy="784231"/>
           </a:xfrm>
           <a:prstGeom prst="rect">
@@ -16740,7 +16716,7 @@
         </p:nvSpPr>
         <p:spPr>
           <a:xfrm>
-            <a:off x="772145" y="24802210"/>
+            <a:off x="772145" y="24840310"/>
             <a:ext cx="894740" cy="784231"/>
           </a:xfrm>
           <a:prstGeom prst="rect">
@@ -16809,7 +16785,7 @@
         </p:nvSpPr>
         <p:spPr>
           <a:xfrm>
-            <a:off x="1922580" y="26606632"/>
+            <a:off x="1922580" y="26644732"/>
             <a:ext cx="9789049" cy="2238024"/>
           </a:xfrm>
           <a:prstGeom prst="rect">
@@ -16865,7 +16841,7 @@
         </p:nvSpPr>
         <p:spPr>
           <a:xfrm>
-            <a:off x="1941493" y="24861966"/>
+            <a:off x="1941493" y="24900066"/>
             <a:ext cx="9783974" cy="2421546"/>
           </a:xfrm>
           <a:prstGeom prst="rect">
@@ -16924,7 +16900,7 @@
         </p:nvSpPr>
         <p:spPr>
           <a:xfrm>
-            <a:off x="676184" y="29623927"/>
+            <a:off x="676184" y="29433427"/>
             <a:ext cx="10801382" cy="1540041"/>
           </a:xfrm>
           <a:prstGeom prst="rect">
@@ -17063,15 +17039,15 @@
               <a:buNone/>
             </a:pPr>
             <a:r>
-              <a:rPr lang="en-US" dirty="0">
+              <a:rPr lang="en-US" sz="3200" dirty="0">
                 <a:solidFill>
                   <a:schemeClr val="tx1"/>
                 </a:solidFill>
                 <a:latin typeface="Garamond" panose="02020404030301010803" pitchFamily="18" charset="0"/>
               </a:rPr>
-              <a:t>QR CODE</a:t>
+              <a:t>QR Code</a:t>
             </a:r>
-            <a:endParaRPr dirty="0">
+            <a:endParaRPr sz="3200" dirty="0">
               <a:solidFill>
                 <a:schemeClr val="tx1"/>
               </a:solidFill>
@@ -17899,13 +17875,13 @@
           <p:nvPr>
             <p:extLst>
               <p:ext uri="{D42A27DB-BD31-4B8C-83A1-F6EECF244321}">
-                <p14:modId xmlns:p14="http://schemas.microsoft.com/office/powerpoint/2010/main" val="1531601666"/>
+                <p14:modId xmlns:p14="http://schemas.microsoft.com/office/powerpoint/2010/main" val="456993486"/>
               </p:ext>
             </p:extLst>
           </p:nvPr>
         </p:nvGraphicFramePr>
         <p:xfrm>
-          <a:off x="31048037" y="14437599"/>
+          <a:off x="31048037" y="14200530"/>
           <a:ext cx="10972800" cy="2682240"/>
         </p:xfrm>
         <a:graphic>
@@ -18167,8 +18143,8 @@
         </p:nvSpPr>
         <p:spPr>
           <a:xfrm>
-            <a:off x="572777" y="5371123"/>
-            <a:ext cx="11896663" cy="842627"/>
+            <a:off x="543605" y="5538561"/>
+            <a:ext cx="12346250" cy="818396"/>
           </a:xfrm>
           <a:prstGeom prst="rect">
             <a:avLst/>
@@ -19360,7 +19336,7 @@
         </p:nvSpPr>
         <p:spPr>
           <a:xfrm>
-            <a:off x="12889855" y="5212902"/>
+            <a:off x="12930406" y="5213010"/>
             <a:ext cx="18460251" cy="10619225"/>
           </a:xfrm>
           <a:prstGeom prst="rect">
@@ -19490,8 +19466,8 @@
         </p:nvSpPr>
         <p:spPr>
           <a:xfrm>
-            <a:off x="31576397" y="17859218"/>
-            <a:ext cx="10769270" cy="6909160"/>
+            <a:off x="31458106" y="17061827"/>
+            <a:ext cx="12022939" cy="7908262"/>
           </a:xfrm>
           <a:prstGeom prst="rect">
             <a:avLst/>
@@ -19868,7 +19844,7 @@
         </p:nvSpPr>
         <p:spPr>
           <a:xfrm>
-            <a:off x="31255046" y="25038194"/>
+            <a:off x="31255046" y="24936593"/>
             <a:ext cx="10972799" cy="914400"/>
           </a:xfrm>
           <a:prstGeom prst="rect">
@@ -20283,8 +20259,8 @@
         </p:nvSpPr>
         <p:spPr>
           <a:xfrm>
-            <a:off x="572778" y="28429532"/>
-            <a:ext cx="11896663" cy="818396"/>
+            <a:off x="572778" y="28239032"/>
+            <a:ext cx="12317077" cy="853156"/>
           </a:xfrm>
           <a:prstGeom prst="rect">
             <a:avLst/>
@@ -20356,8 +20332,8 @@
         </p:nvSpPr>
         <p:spPr>
           <a:xfrm>
-            <a:off x="12386985" y="22649522"/>
-            <a:ext cx="18460251" cy="10619225"/>
+            <a:off x="12410396" y="22294730"/>
+            <a:ext cx="18436840" cy="10974017"/>
           </a:xfrm>
           <a:prstGeom prst="rect">
             <a:avLst/>
@@ -20645,8 +20621,8 @@
         </p:nvSpPr>
         <p:spPr>
           <a:xfrm>
-            <a:off x="30690705" y="5794727"/>
-            <a:ext cx="11896663" cy="842627"/>
+            <a:off x="30213300" y="5573746"/>
+            <a:ext cx="12530599" cy="833131"/>
           </a:xfrm>
           <a:prstGeom prst="rect">
             <a:avLst/>

--- a/Capstone/poster/Poster Template.pptx
+++ b/Capstone/poster/Poster Template.pptx
@@ -1671,733 +1671,6 @@
 </file>
 
 <file path=ppt/slideLayouts/slideLayout10.xml><?xml version="1.0" encoding="utf-8"?>
-<p:sldLayout xmlns:a="http://schemas.openxmlformats.org/drawingml/2006/main" xmlns:r="http://schemas.openxmlformats.org/officeDocument/2006/relationships" xmlns:p="http://schemas.openxmlformats.org/presentationml/2006/main" matchingName="Title and Vertical Text" type="vertTx">
-  <p:cSld name="VERTICAL_TEXT">
-    <p:spTree>
-      <p:nvGrpSpPr>
-        <p:cNvPr id="1" name="Shape 68"/>
-        <p:cNvGrpSpPr/>
-        <p:nvPr/>
-      </p:nvGrpSpPr>
-      <p:grpSpPr>
-        <a:xfrm>
-          <a:off x="0" y="0"/>
-          <a:ext cx="0" cy="0"/>
-          <a:chOff x="0" y="0"/>
-          <a:chExt cx="0" cy="0"/>
-        </a:xfrm>
-      </p:grpSpPr>
-      <p:sp>
-        <p:nvSpPr>
-          <p:cNvPr id="69" name="Google Shape;69;p13"/>
-          <p:cNvSpPr txBox="1">
-            <a:spLocks noGrp="1"/>
-          </p:cNvSpPr>
-          <p:nvPr>
-            <p:ph type="title"/>
-          </p:nvPr>
-        </p:nvSpPr>
-        <p:spPr>
-          <a:xfrm>
-            <a:off x="3017520" y="1752607"/>
-            <a:ext cx="37856160" cy="6362702"/>
-          </a:xfrm>
-          <a:prstGeom prst="rect">
-            <a:avLst/>
-          </a:prstGeom>
-          <a:noFill/>
-          <a:ln>
-            <a:noFill/>
-          </a:ln>
-        </p:spPr>
-        <p:txBody>
-          <a:bodyPr spcFirstLastPara="1" wrap="square" lIns="91425" tIns="45700" rIns="91425" bIns="45700" anchor="ctr" anchorCtr="0">
-            <a:normAutofit/>
-          </a:bodyPr>
-          <a:lstStyle>
-            <a:lvl1pPr lvl="0" algn="l">
-              <a:lnSpc>
-                <a:spcPct val="90000"/>
-              </a:lnSpc>
-              <a:spcBef>
-                <a:spcPts val="0"/>
-              </a:spcBef>
-              <a:spcAft>
-                <a:spcPts val="0"/>
-              </a:spcAft>
-              <a:buClr>
-                <a:schemeClr val="dk1"/>
-              </a:buClr>
-              <a:buSzPts val="1800"/>
-              <a:buNone/>
-              <a:defRPr/>
-            </a:lvl1pPr>
-            <a:lvl2pPr lvl="1">
-              <a:spcBef>
-                <a:spcPts val="0"/>
-              </a:spcBef>
-              <a:spcAft>
-                <a:spcPts val="0"/>
-              </a:spcAft>
-              <a:buSzPts val="1400"/>
-              <a:buNone/>
-              <a:defRPr/>
-            </a:lvl2pPr>
-            <a:lvl3pPr lvl="2">
-              <a:spcBef>
-                <a:spcPts val="0"/>
-              </a:spcBef>
-              <a:spcAft>
-                <a:spcPts val="0"/>
-              </a:spcAft>
-              <a:buSzPts val="1400"/>
-              <a:buNone/>
-              <a:defRPr/>
-            </a:lvl3pPr>
-            <a:lvl4pPr lvl="3">
-              <a:spcBef>
-                <a:spcPts val="0"/>
-              </a:spcBef>
-              <a:spcAft>
-                <a:spcPts val="0"/>
-              </a:spcAft>
-              <a:buSzPts val="1400"/>
-              <a:buNone/>
-              <a:defRPr/>
-            </a:lvl4pPr>
-            <a:lvl5pPr lvl="4">
-              <a:spcBef>
-                <a:spcPts val="0"/>
-              </a:spcBef>
-              <a:spcAft>
-                <a:spcPts val="0"/>
-              </a:spcAft>
-              <a:buSzPts val="1400"/>
-              <a:buNone/>
-              <a:defRPr/>
-            </a:lvl5pPr>
-            <a:lvl6pPr lvl="5">
-              <a:spcBef>
-                <a:spcPts val="0"/>
-              </a:spcBef>
-              <a:spcAft>
-                <a:spcPts val="0"/>
-              </a:spcAft>
-              <a:buSzPts val="1400"/>
-              <a:buNone/>
-              <a:defRPr/>
-            </a:lvl6pPr>
-            <a:lvl7pPr lvl="6">
-              <a:spcBef>
-                <a:spcPts val="0"/>
-              </a:spcBef>
-              <a:spcAft>
-                <a:spcPts val="0"/>
-              </a:spcAft>
-              <a:buSzPts val="1400"/>
-              <a:buNone/>
-              <a:defRPr/>
-            </a:lvl7pPr>
-            <a:lvl8pPr lvl="7">
-              <a:spcBef>
-                <a:spcPts val="0"/>
-              </a:spcBef>
-              <a:spcAft>
-                <a:spcPts val="0"/>
-              </a:spcAft>
-              <a:buSzPts val="1400"/>
-              <a:buNone/>
-              <a:defRPr/>
-            </a:lvl8pPr>
-            <a:lvl9pPr lvl="8">
-              <a:spcBef>
-                <a:spcPts val="0"/>
-              </a:spcBef>
-              <a:spcAft>
-                <a:spcPts val="0"/>
-              </a:spcAft>
-              <a:buSzPts val="1400"/>
-              <a:buNone/>
-              <a:defRPr/>
-            </a:lvl9pPr>
-          </a:lstStyle>
-          <a:p>
-            <a:endParaRPr/>
-          </a:p>
-        </p:txBody>
-      </p:sp>
-      <p:sp>
-        <p:nvSpPr>
-          <p:cNvPr id="70" name="Google Shape;70;p13"/>
-          <p:cNvSpPr txBox="1">
-            <a:spLocks noGrp="1"/>
-          </p:cNvSpPr>
-          <p:nvPr>
-            <p:ph type="body" idx="1"/>
-          </p:nvPr>
-        </p:nvSpPr>
-        <p:spPr>
-          <a:xfrm rot="5400000">
-            <a:off x="11502389" y="278131"/>
-            <a:ext cx="20886422" cy="37856160"/>
-          </a:xfrm>
-          <a:prstGeom prst="rect">
-            <a:avLst/>
-          </a:prstGeom>
-          <a:noFill/>
-          <a:ln>
-            <a:noFill/>
-          </a:ln>
-        </p:spPr>
-        <p:txBody>
-          <a:bodyPr spcFirstLastPara="1" wrap="square" lIns="91425" tIns="45700" rIns="91425" bIns="45700" anchor="t" anchorCtr="0">
-            <a:normAutofit/>
-          </a:bodyPr>
-          <a:lstStyle>
-            <a:lvl1pPr marL="457200" lvl="0" indent="-342900" algn="l">
-              <a:lnSpc>
-                <a:spcPct val="90000"/>
-              </a:lnSpc>
-              <a:spcBef>
-                <a:spcPts val="4800"/>
-              </a:spcBef>
-              <a:spcAft>
-                <a:spcPts val="0"/>
-              </a:spcAft>
-              <a:buClr>
-                <a:schemeClr val="dk1"/>
-              </a:buClr>
-              <a:buSzPts val="1800"/>
-              <a:buChar char="•"/>
-              <a:defRPr/>
-            </a:lvl1pPr>
-            <a:lvl2pPr marL="914400" lvl="1" indent="-342900" algn="l">
-              <a:lnSpc>
-                <a:spcPct val="90000"/>
-              </a:lnSpc>
-              <a:spcBef>
-                <a:spcPts val="2400"/>
-              </a:spcBef>
-              <a:spcAft>
-                <a:spcPts val="0"/>
-              </a:spcAft>
-              <a:buClr>
-                <a:schemeClr val="dk1"/>
-              </a:buClr>
-              <a:buSzPts val="1800"/>
-              <a:buChar char="•"/>
-              <a:defRPr/>
-            </a:lvl2pPr>
-            <a:lvl3pPr marL="1371600" lvl="2" indent="-342900" algn="l">
-              <a:lnSpc>
-                <a:spcPct val="90000"/>
-              </a:lnSpc>
-              <a:spcBef>
-                <a:spcPts val="2400"/>
-              </a:spcBef>
-              <a:spcAft>
-                <a:spcPts val="0"/>
-              </a:spcAft>
-              <a:buClr>
-                <a:schemeClr val="dk1"/>
-              </a:buClr>
-              <a:buSzPts val="1800"/>
-              <a:buChar char="•"/>
-              <a:defRPr/>
-            </a:lvl3pPr>
-            <a:lvl4pPr marL="1828800" lvl="3" indent="-342900" algn="l">
-              <a:lnSpc>
-                <a:spcPct val="90000"/>
-              </a:lnSpc>
-              <a:spcBef>
-                <a:spcPts val="2400"/>
-              </a:spcBef>
-              <a:spcAft>
-                <a:spcPts val="0"/>
-              </a:spcAft>
-              <a:buClr>
-                <a:schemeClr val="dk1"/>
-              </a:buClr>
-              <a:buSzPts val="1800"/>
-              <a:buChar char="•"/>
-              <a:defRPr/>
-            </a:lvl4pPr>
-            <a:lvl5pPr marL="2286000" lvl="4" indent="-342900" algn="l">
-              <a:lnSpc>
-                <a:spcPct val="90000"/>
-              </a:lnSpc>
-              <a:spcBef>
-                <a:spcPts val="2400"/>
-              </a:spcBef>
-              <a:spcAft>
-                <a:spcPts val="0"/>
-              </a:spcAft>
-              <a:buClr>
-                <a:schemeClr val="dk1"/>
-              </a:buClr>
-              <a:buSzPts val="1800"/>
-              <a:buChar char="•"/>
-              <a:defRPr/>
-            </a:lvl5pPr>
-            <a:lvl6pPr marL="2743200" lvl="5" indent="-342900" algn="l">
-              <a:lnSpc>
-                <a:spcPct val="90000"/>
-              </a:lnSpc>
-              <a:spcBef>
-                <a:spcPts val="2400"/>
-              </a:spcBef>
-              <a:spcAft>
-                <a:spcPts val="0"/>
-              </a:spcAft>
-              <a:buClr>
-                <a:schemeClr val="dk1"/>
-              </a:buClr>
-              <a:buSzPts val="1800"/>
-              <a:buChar char="•"/>
-              <a:defRPr/>
-            </a:lvl6pPr>
-            <a:lvl7pPr marL="3200400" lvl="6" indent="-342900" algn="l">
-              <a:lnSpc>
-                <a:spcPct val="90000"/>
-              </a:lnSpc>
-              <a:spcBef>
-                <a:spcPts val="2400"/>
-              </a:spcBef>
-              <a:spcAft>
-                <a:spcPts val="0"/>
-              </a:spcAft>
-              <a:buClr>
-                <a:schemeClr val="dk1"/>
-              </a:buClr>
-              <a:buSzPts val="1800"/>
-              <a:buChar char="•"/>
-              <a:defRPr/>
-            </a:lvl7pPr>
-            <a:lvl8pPr marL="3657600" lvl="7" indent="-342900" algn="l">
-              <a:lnSpc>
-                <a:spcPct val="90000"/>
-              </a:lnSpc>
-              <a:spcBef>
-                <a:spcPts val="2400"/>
-              </a:spcBef>
-              <a:spcAft>
-                <a:spcPts val="0"/>
-              </a:spcAft>
-              <a:buClr>
-                <a:schemeClr val="dk1"/>
-              </a:buClr>
-              <a:buSzPts val="1800"/>
-              <a:buChar char="•"/>
-              <a:defRPr/>
-            </a:lvl8pPr>
-            <a:lvl9pPr marL="4114800" lvl="8" indent="-342900" algn="l">
-              <a:lnSpc>
-                <a:spcPct val="90000"/>
-              </a:lnSpc>
-              <a:spcBef>
-                <a:spcPts val="2400"/>
-              </a:spcBef>
-              <a:spcAft>
-                <a:spcPts val="0"/>
-              </a:spcAft>
-              <a:buClr>
-                <a:schemeClr val="dk1"/>
-              </a:buClr>
-              <a:buSzPts val="1800"/>
-              <a:buChar char="•"/>
-              <a:defRPr/>
-            </a:lvl9pPr>
-          </a:lstStyle>
-          <a:p>
-            <a:endParaRPr/>
-          </a:p>
-        </p:txBody>
-      </p:sp>
-      <p:sp>
-        <p:nvSpPr>
-          <p:cNvPr id="71" name="Google Shape;71;p13"/>
-          <p:cNvSpPr txBox="1">
-            <a:spLocks noGrp="1"/>
-          </p:cNvSpPr>
-          <p:nvPr>
-            <p:ph type="dt" idx="10"/>
-          </p:nvPr>
-        </p:nvSpPr>
-        <p:spPr>
-          <a:xfrm>
-            <a:off x="3017520" y="30510487"/>
-            <a:ext cx="9875520" cy="1752600"/>
-          </a:xfrm>
-          <a:prstGeom prst="rect">
-            <a:avLst/>
-          </a:prstGeom>
-          <a:noFill/>
-          <a:ln>
-            <a:noFill/>
-          </a:ln>
-        </p:spPr>
-        <p:txBody>
-          <a:bodyPr spcFirstLastPara="1" wrap="square" lIns="91425" tIns="45700" rIns="91425" bIns="45700" anchor="ctr" anchorCtr="0">
-            <a:noAutofit/>
-          </a:bodyPr>
-          <a:lstStyle>
-            <a:lvl1pPr lvl="0" algn="l">
-              <a:spcBef>
-                <a:spcPts val="0"/>
-              </a:spcBef>
-              <a:spcAft>
-                <a:spcPts val="0"/>
-              </a:spcAft>
-              <a:buSzPts val="1400"/>
-              <a:buNone/>
-              <a:defRPr/>
-            </a:lvl1pPr>
-            <a:lvl2pPr lvl="1" algn="l">
-              <a:spcBef>
-                <a:spcPts val="0"/>
-              </a:spcBef>
-              <a:spcAft>
-                <a:spcPts val="0"/>
-              </a:spcAft>
-              <a:buSzPts val="1400"/>
-              <a:buNone/>
-              <a:defRPr/>
-            </a:lvl2pPr>
-            <a:lvl3pPr lvl="2" algn="l">
-              <a:spcBef>
-                <a:spcPts val="0"/>
-              </a:spcBef>
-              <a:spcAft>
-                <a:spcPts val="0"/>
-              </a:spcAft>
-              <a:buSzPts val="1400"/>
-              <a:buNone/>
-              <a:defRPr/>
-            </a:lvl3pPr>
-            <a:lvl4pPr lvl="3" algn="l">
-              <a:spcBef>
-                <a:spcPts val="0"/>
-              </a:spcBef>
-              <a:spcAft>
-                <a:spcPts val="0"/>
-              </a:spcAft>
-              <a:buSzPts val="1400"/>
-              <a:buNone/>
-              <a:defRPr/>
-            </a:lvl4pPr>
-            <a:lvl5pPr lvl="4" algn="l">
-              <a:spcBef>
-                <a:spcPts val="0"/>
-              </a:spcBef>
-              <a:spcAft>
-                <a:spcPts val="0"/>
-              </a:spcAft>
-              <a:buSzPts val="1400"/>
-              <a:buNone/>
-              <a:defRPr/>
-            </a:lvl5pPr>
-            <a:lvl6pPr lvl="5" algn="l">
-              <a:spcBef>
-                <a:spcPts val="0"/>
-              </a:spcBef>
-              <a:spcAft>
-                <a:spcPts val="0"/>
-              </a:spcAft>
-              <a:buSzPts val="1400"/>
-              <a:buNone/>
-              <a:defRPr/>
-            </a:lvl6pPr>
-            <a:lvl7pPr lvl="6" algn="l">
-              <a:spcBef>
-                <a:spcPts val="0"/>
-              </a:spcBef>
-              <a:spcAft>
-                <a:spcPts val="0"/>
-              </a:spcAft>
-              <a:buSzPts val="1400"/>
-              <a:buNone/>
-              <a:defRPr/>
-            </a:lvl7pPr>
-            <a:lvl8pPr lvl="7" algn="l">
-              <a:spcBef>
-                <a:spcPts val="0"/>
-              </a:spcBef>
-              <a:spcAft>
-                <a:spcPts val="0"/>
-              </a:spcAft>
-              <a:buSzPts val="1400"/>
-              <a:buNone/>
-              <a:defRPr/>
-            </a:lvl8pPr>
-            <a:lvl9pPr lvl="8" algn="l">
-              <a:spcBef>
-                <a:spcPts val="0"/>
-              </a:spcBef>
-              <a:spcAft>
-                <a:spcPts val="0"/>
-              </a:spcAft>
-              <a:buSzPts val="1400"/>
-              <a:buNone/>
-              <a:defRPr/>
-            </a:lvl9pPr>
-          </a:lstStyle>
-          <a:p>
-            <a:endParaRPr dirty="0"/>
-          </a:p>
-        </p:txBody>
-      </p:sp>
-      <p:sp>
-        <p:nvSpPr>
-          <p:cNvPr id="72" name="Google Shape;72;p13"/>
-          <p:cNvSpPr txBox="1">
-            <a:spLocks noGrp="1"/>
-          </p:cNvSpPr>
-          <p:nvPr>
-            <p:ph type="ftr" idx="11"/>
-          </p:nvPr>
-        </p:nvSpPr>
-        <p:spPr>
-          <a:xfrm>
-            <a:off x="14538960" y="30510487"/>
-            <a:ext cx="14813280" cy="1752600"/>
-          </a:xfrm>
-          <a:prstGeom prst="rect">
-            <a:avLst/>
-          </a:prstGeom>
-          <a:noFill/>
-          <a:ln>
-            <a:noFill/>
-          </a:ln>
-        </p:spPr>
-        <p:txBody>
-          <a:bodyPr spcFirstLastPara="1" wrap="square" lIns="91425" tIns="45700" rIns="91425" bIns="45700" anchor="ctr" anchorCtr="0">
-            <a:noAutofit/>
-          </a:bodyPr>
-          <a:lstStyle>
-            <a:lvl1pPr lvl="0" algn="ctr">
-              <a:spcBef>
-                <a:spcPts val="0"/>
-              </a:spcBef>
-              <a:spcAft>
-                <a:spcPts val="0"/>
-              </a:spcAft>
-              <a:buSzPts val="1400"/>
-              <a:buNone/>
-              <a:defRPr/>
-            </a:lvl1pPr>
-            <a:lvl2pPr lvl="1" algn="l">
-              <a:spcBef>
-                <a:spcPts val="0"/>
-              </a:spcBef>
-              <a:spcAft>
-                <a:spcPts val="0"/>
-              </a:spcAft>
-              <a:buSzPts val="1400"/>
-              <a:buNone/>
-              <a:defRPr/>
-            </a:lvl2pPr>
-            <a:lvl3pPr lvl="2" algn="l">
-              <a:spcBef>
-                <a:spcPts val="0"/>
-              </a:spcBef>
-              <a:spcAft>
-                <a:spcPts val="0"/>
-              </a:spcAft>
-              <a:buSzPts val="1400"/>
-              <a:buNone/>
-              <a:defRPr/>
-            </a:lvl3pPr>
-            <a:lvl4pPr lvl="3" algn="l">
-              <a:spcBef>
-                <a:spcPts val="0"/>
-              </a:spcBef>
-              <a:spcAft>
-                <a:spcPts val="0"/>
-              </a:spcAft>
-              <a:buSzPts val="1400"/>
-              <a:buNone/>
-              <a:defRPr/>
-            </a:lvl4pPr>
-            <a:lvl5pPr lvl="4" algn="l">
-              <a:spcBef>
-                <a:spcPts val="0"/>
-              </a:spcBef>
-              <a:spcAft>
-                <a:spcPts val="0"/>
-              </a:spcAft>
-              <a:buSzPts val="1400"/>
-              <a:buNone/>
-              <a:defRPr/>
-            </a:lvl5pPr>
-            <a:lvl6pPr lvl="5" algn="l">
-              <a:spcBef>
-                <a:spcPts val="0"/>
-              </a:spcBef>
-              <a:spcAft>
-                <a:spcPts val="0"/>
-              </a:spcAft>
-              <a:buSzPts val="1400"/>
-              <a:buNone/>
-              <a:defRPr/>
-            </a:lvl6pPr>
-            <a:lvl7pPr lvl="6" algn="l">
-              <a:spcBef>
-                <a:spcPts val="0"/>
-              </a:spcBef>
-              <a:spcAft>
-                <a:spcPts val="0"/>
-              </a:spcAft>
-              <a:buSzPts val="1400"/>
-              <a:buNone/>
-              <a:defRPr/>
-            </a:lvl7pPr>
-            <a:lvl8pPr lvl="7" algn="l">
-              <a:spcBef>
-                <a:spcPts val="0"/>
-              </a:spcBef>
-              <a:spcAft>
-                <a:spcPts val="0"/>
-              </a:spcAft>
-              <a:buSzPts val="1400"/>
-              <a:buNone/>
-              <a:defRPr/>
-            </a:lvl8pPr>
-            <a:lvl9pPr lvl="8" algn="l">
-              <a:spcBef>
-                <a:spcPts val="0"/>
-              </a:spcBef>
-              <a:spcAft>
-                <a:spcPts val="0"/>
-              </a:spcAft>
-              <a:buSzPts val="1400"/>
-              <a:buNone/>
-              <a:defRPr/>
-            </a:lvl9pPr>
-          </a:lstStyle>
-          <a:p>
-            <a:endParaRPr dirty="0"/>
-          </a:p>
-        </p:txBody>
-      </p:sp>
-      <p:sp>
-        <p:nvSpPr>
-          <p:cNvPr id="73" name="Google Shape;73;p13"/>
-          <p:cNvSpPr txBox="1">
-            <a:spLocks noGrp="1"/>
-          </p:cNvSpPr>
-          <p:nvPr>
-            <p:ph type="sldNum" idx="12"/>
-          </p:nvPr>
-        </p:nvSpPr>
-        <p:spPr>
-          <a:xfrm>
-            <a:off x="30998160" y="30510487"/>
-            <a:ext cx="9875520" cy="1752600"/>
-          </a:xfrm>
-          <a:prstGeom prst="rect">
-            <a:avLst/>
-          </a:prstGeom>
-          <a:noFill/>
-          <a:ln>
-            <a:noFill/>
-          </a:ln>
-        </p:spPr>
-        <p:txBody>
-          <a:bodyPr spcFirstLastPara="1" wrap="square" lIns="91425" tIns="45700" rIns="91425" bIns="45700" anchor="ctr" anchorCtr="0">
-            <a:noAutofit/>
-          </a:bodyPr>
-          <a:lstStyle>
-            <a:lvl1pPr marL="0" lvl="0" indent="0" algn="r">
-              <a:spcBef>
-                <a:spcPts val="0"/>
-              </a:spcBef>
-              <a:buNone/>
-              <a:defRPr/>
-            </a:lvl1pPr>
-            <a:lvl2pPr marL="0" lvl="1" indent="0" algn="r">
-              <a:spcBef>
-                <a:spcPts val="0"/>
-              </a:spcBef>
-              <a:buNone/>
-              <a:defRPr/>
-            </a:lvl2pPr>
-            <a:lvl3pPr marL="0" lvl="2" indent="0" algn="r">
-              <a:spcBef>
-                <a:spcPts val="0"/>
-              </a:spcBef>
-              <a:buNone/>
-              <a:defRPr/>
-            </a:lvl3pPr>
-            <a:lvl4pPr marL="0" lvl="3" indent="0" algn="r">
-              <a:spcBef>
-                <a:spcPts val="0"/>
-              </a:spcBef>
-              <a:buNone/>
-              <a:defRPr/>
-            </a:lvl4pPr>
-            <a:lvl5pPr marL="0" lvl="4" indent="0" algn="r">
-              <a:spcBef>
-                <a:spcPts val="0"/>
-              </a:spcBef>
-              <a:buNone/>
-              <a:defRPr/>
-            </a:lvl5pPr>
-            <a:lvl6pPr marL="0" lvl="5" indent="0" algn="r">
-              <a:spcBef>
-                <a:spcPts val="0"/>
-              </a:spcBef>
-              <a:buNone/>
-              <a:defRPr/>
-            </a:lvl6pPr>
-            <a:lvl7pPr marL="0" lvl="6" indent="0" algn="r">
-              <a:spcBef>
-                <a:spcPts val="0"/>
-              </a:spcBef>
-              <a:buNone/>
-              <a:defRPr/>
-            </a:lvl7pPr>
-            <a:lvl8pPr marL="0" lvl="7" indent="0" algn="r">
-              <a:spcBef>
-                <a:spcPts val="0"/>
-              </a:spcBef>
-              <a:buNone/>
-              <a:defRPr/>
-            </a:lvl8pPr>
-            <a:lvl9pPr marL="0" lvl="8" indent="0" algn="r">
-              <a:spcBef>
-                <a:spcPts val="0"/>
-              </a:spcBef>
-              <a:buNone/>
-              <a:defRPr/>
-            </a:lvl9pPr>
-          </a:lstStyle>
-          <a:p>
-            <a:pPr marL="0" lvl="0" indent="0" algn="r" rtl="0">
-              <a:spcBef>
-                <a:spcPts val="0"/>
-              </a:spcBef>
-              <a:spcAft>
-                <a:spcPts val="0"/>
-              </a:spcAft>
-              <a:buNone/>
-            </a:pPr>
-            <a:fld id="{00000000-1234-1234-1234-123412341234}" type="slidenum">
-              <a:rPr lang="en-US"/>
-              <a:t>‹#›</a:t>
-            </a:fld>
-            <a:endParaRPr dirty="0"/>
-          </a:p>
-        </p:txBody>
-      </p:sp>
-    </p:spTree>
-  </p:cSld>
-  <p:clrMapOvr>
-    <a:masterClrMapping/>
-  </p:clrMapOvr>
-</p:sldLayout>
-</file>
-
-<file path=ppt/slideLayouts/slideLayout11.xml><?xml version="1.0" encoding="utf-8"?>
 <p:sldLayout xmlns:a="http://schemas.openxmlformats.org/drawingml/2006/main" xmlns:r="http://schemas.openxmlformats.org/officeDocument/2006/relationships" xmlns:p="http://schemas.openxmlformats.org/presentationml/2006/main" matchingName="Vertical Title and Text" type="vertTitleAndTx">
   <p:cSld name="VERTICAL_TITLE_AND_VERTICAL_TEXT">
     <p:spTree>
@@ -3125,734 +2398,6 @@
 </file>
 
 <file path=ppt/slideLayouts/slideLayout2.xml><?xml version="1.0" encoding="utf-8"?>
-<p:sldLayout xmlns:a="http://schemas.openxmlformats.org/drawingml/2006/main" xmlns:r="http://schemas.openxmlformats.org/officeDocument/2006/relationships" xmlns:p="http://schemas.openxmlformats.org/presentationml/2006/main" matchingName="Title Slide" type="title">
-  <p:cSld name="TITLE">
-    <p:spTree>
-      <p:nvGrpSpPr>
-        <p:cNvPr id="1" name="Shape 17"/>
-        <p:cNvGrpSpPr/>
-        <p:nvPr/>
-      </p:nvGrpSpPr>
-      <p:grpSpPr>
-        <a:xfrm>
-          <a:off x="0" y="0"/>
-          <a:ext cx="0" cy="0"/>
-          <a:chOff x="0" y="0"/>
-          <a:chExt cx="0" cy="0"/>
-        </a:xfrm>
-      </p:grpSpPr>
-      <p:sp>
-        <p:nvSpPr>
-          <p:cNvPr id="18" name="Google Shape;18;p5"/>
-          <p:cNvSpPr txBox="1">
-            <a:spLocks noGrp="1"/>
-          </p:cNvSpPr>
-          <p:nvPr>
-            <p:ph type="ctrTitle"/>
-          </p:nvPr>
-        </p:nvSpPr>
-        <p:spPr>
-          <a:xfrm>
-            <a:off x="3291840" y="5387342"/>
-            <a:ext cx="37307520" cy="11460480"/>
-          </a:xfrm>
-          <a:prstGeom prst="rect">
-            <a:avLst/>
-          </a:prstGeom>
-          <a:noFill/>
-          <a:ln>
-            <a:noFill/>
-          </a:ln>
-        </p:spPr>
-        <p:txBody>
-          <a:bodyPr spcFirstLastPara="1" wrap="square" lIns="91425" tIns="45700" rIns="91425" bIns="45700" anchor="b" anchorCtr="0">
-            <a:normAutofit/>
-          </a:bodyPr>
-          <a:lstStyle>
-            <a:lvl1pPr lvl="0" algn="ctr">
-              <a:lnSpc>
-                <a:spcPct val="90000"/>
-              </a:lnSpc>
-              <a:spcBef>
-                <a:spcPts val="0"/>
-              </a:spcBef>
-              <a:spcAft>
-                <a:spcPts val="0"/>
-              </a:spcAft>
-              <a:buClr>
-                <a:schemeClr val="dk1"/>
-              </a:buClr>
-              <a:buSzPts val="28800"/>
-              <a:buFont typeface="Calibri"/>
-              <a:buNone/>
-              <a:defRPr sz="28800"/>
-            </a:lvl1pPr>
-            <a:lvl2pPr lvl="1">
-              <a:spcBef>
-                <a:spcPts val="0"/>
-              </a:spcBef>
-              <a:spcAft>
-                <a:spcPts val="0"/>
-              </a:spcAft>
-              <a:buSzPts val="1400"/>
-              <a:buNone/>
-              <a:defRPr/>
-            </a:lvl2pPr>
-            <a:lvl3pPr lvl="2">
-              <a:spcBef>
-                <a:spcPts val="0"/>
-              </a:spcBef>
-              <a:spcAft>
-                <a:spcPts val="0"/>
-              </a:spcAft>
-              <a:buSzPts val="1400"/>
-              <a:buNone/>
-              <a:defRPr/>
-            </a:lvl3pPr>
-            <a:lvl4pPr lvl="3">
-              <a:spcBef>
-                <a:spcPts val="0"/>
-              </a:spcBef>
-              <a:spcAft>
-                <a:spcPts val="0"/>
-              </a:spcAft>
-              <a:buSzPts val="1400"/>
-              <a:buNone/>
-              <a:defRPr/>
-            </a:lvl4pPr>
-            <a:lvl5pPr lvl="4">
-              <a:spcBef>
-                <a:spcPts val="0"/>
-              </a:spcBef>
-              <a:spcAft>
-                <a:spcPts val="0"/>
-              </a:spcAft>
-              <a:buSzPts val="1400"/>
-              <a:buNone/>
-              <a:defRPr/>
-            </a:lvl5pPr>
-            <a:lvl6pPr lvl="5">
-              <a:spcBef>
-                <a:spcPts val="0"/>
-              </a:spcBef>
-              <a:spcAft>
-                <a:spcPts val="0"/>
-              </a:spcAft>
-              <a:buSzPts val="1400"/>
-              <a:buNone/>
-              <a:defRPr/>
-            </a:lvl6pPr>
-            <a:lvl7pPr lvl="6">
-              <a:spcBef>
-                <a:spcPts val="0"/>
-              </a:spcBef>
-              <a:spcAft>
-                <a:spcPts val="0"/>
-              </a:spcAft>
-              <a:buSzPts val="1400"/>
-              <a:buNone/>
-              <a:defRPr/>
-            </a:lvl7pPr>
-            <a:lvl8pPr lvl="7">
-              <a:spcBef>
-                <a:spcPts val="0"/>
-              </a:spcBef>
-              <a:spcAft>
-                <a:spcPts val="0"/>
-              </a:spcAft>
-              <a:buSzPts val="1400"/>
-              <a:buNone/>
-              <a:defRPr/>
-            </a:lvl8pPr>
-            <a:lvl9pPr lvl="8">
-              <a:spcBef>
-                <a:spcPts val="0"/>
-              </a:spcBef>
-              <a:spcAft>
-                <a:spcPts val="0"/>
-              </a:spcAft>
-              <a:buSzPts val="1400"/>
-              <a:buNone/>
-              <a:defRPr/>
-            </a:lvl9pPr>
-          </a:lstStyle>
-          <a:p>
-            <a:endParaRPr/>
-          </a:p>
-        </p:txBody>
-      </p:sp>
-      <p:sp>
-        <p:nvSpPr>
-          <p:cNvPr id="19" name="Google Shape;19;p5"/>
-          <p:cNvSpPr txBox="1">
-            <a:spLocks noGrp="1"/>
-          </p:cNvSpPr>
-          <p:nvPr>
-            <p:ph type="subTitle" idx="1"/>
-          </p:nvPr>
-        </p:nvSpPr>
-        <p:spPr>
-          <a:xfrm>
-            <a:off x="5486400" y="17289782"/>
-            <a:ext cx="32918400" cy="7947658"/>
-          </a:xfrm>
-          <a:prstGeom prst="rect">
-            <a:avLst/>
-          </a:prstGeom>
-          <a:noFill/>
-          <a:ln>
-            <a:noFill/>
-          </a:ln>
-        </p:spPr>
-        <p:txBody>
-          <a:bodyPr spcFirstLastPara="1" wrap="square" lIns="91425" tIns="45700" rIns="91425" bIns="45700" anchor="t" anchorCtr="0">
-            <a:normAutofit/>
-          </a:bodyPr>
-          <a:lstStyle>
-            <a:lvl1pPr lvl="0" algn="ctr">
-              <a:lnSpc>
-                <a:spcPct val="90000"/>
-              </a:lnSpc>
-              <a:spcBef>
-                <a:spcPts val="4800"/>
-              </a:spcBef>
-              <a:spcAft>
-                <a:spcPts val="0"/>
-              </a:spcAft>
-              <a:buClr>
-                <a:schemeClr val="dk1"/>
-              </a:buClr>
-              <a:buSzPts val="11520"/>
-              <a:buNone/>
-              <a:defRPr sz="11520"/>
-            </a:lvl1pPr>
-            <a:lvl2pPr lvl="1" algn="ctr">
-              <a:lnSpc>
-                <a:spcPct val="90000"/>
-              </a:lnSpc>
-              <a:spcBef>
-                <a:spcPts val="2400"/>
-              </a:spcBef>
-              <a:spcAft>
-                <a:spcPts val="0"/>
-              </a:spcAft>
-              <a:buClr>
-                <a:schemeClr val="dk1"/>
-              </a:buClr>
-              <a:buSzPts val="9600"/>
-              <a:buNone/>
-              <a:defRPr sz="9600"/>
-            </a:lvl2pPr>
-            <a:lvl3pPr lvl="2" algn="ctr">
-              <a:lnSpc>
-                <a:spcPct val="90000"/>
-              </a:lnSpc>
-              <a:spcBef>
-                <a:spcPts val="2400"/>
-              </a:spcBef>
-              <a:spcAft>
-                <a:spcPts val="0"/>
-              </a:spcAft>
-              <a:buClr>
-                <a:schemeClr val="dk1"/>
-              </a:buClr>
-              <a:buSzPts val="8640"/>
-              <a:buNone/>
-              <a:defRPr sz="8640"/>
-            </a:lvl3pPr>
-            <a:lvl4pPr lvl="3" algn="ctr">
-              <a:lnSpc>
-                <a:spcPct val="90000"/>
-              </a:lnSpc>
-              <a:spcBef>
-                <a:spcPts val="2400"/>
-              </a:spcBef>
-              <a:spcAft>
-                <a:spcPts val="0"/>
-              </a:spcAft>
-              <a:buClr>
-                <a:schemeClr val="dk1"/>
-              </a:buClr>
-              <a:buSzPts val="7680"/>
-              <a:buNone/>
-              <a:defRPr sz="7680"/>
-            </a:lvl4pPr>
-            <a:lvl5pPr lvl="4" algn="ctr">
-              <a:lnSpc>
-                <a:spcPct val="90000"/>
-              </a:lnSpc>
-              <a:spcBef>
-                <a:spcPts val="2400"/>
-              </a:spcBef>
-              <a:spcAft>
-                <a:spcPts val="0"/>
-              </a:spcAft>
-              <a:buClr>
-                <a:schemeClr val="dk1"/>
-              </a:buClr>
-              <a:buSzPts val="7680"/>
-              <a:buNone/>
-              <a:defRPr sz="7680"/>
-            </a:lvl5pPr>
-            <a:lvl6pPr lvl="5" algn="ctr">
-              <a:lnSpc>
-                <a:spcPct val="90000"/>
-              </a:lnSpc>
-              <a:spcBef>
-                <a:spcPts val="2400"/>
-              </a:spcBef>
-              <a:spcAft>
-                <a:spcPts val="0"/>
-              </a:spcAft>
-              <a:buClr>
-                <a:schemeClr val="dk1"/>
-              </a:buClr>
-              <a:buSzPts val="7680"/>
-              <a:buNone/>
-              <a:defRPr sz="7680"/>
-            </a:lvl6pPr>
-            <a:lvl7pPr lvl="6" algn="ctr">
-              <a:lnSpc>
-                <a:spcPct val="90000"/>
-              </a:lnSpc>
-              <a:spcBef>
-                <a:spcPts val="2400"/>
-              </a:spcBef>
-              <a:spcAft>
-                <a:spcPts val="0"/>
-              </a:spcAft>
-              <a:buClr>
-                <a:schemeClr val="dk1"/>
-              </a:buClr>
-              <a:buSzPts val="7680"/>
-              <a:buNone/>
-              <a:defRPr sz="7680"/>
-            </a:lvl7pPr>
-            <a:lvl8pPr lvl="7" algn="ctr">
-              <a:lnSpc>
-                <a:spcPct val="90000"/>
-              </a:lnSpc>
-              <a:spcBef>
-                <a:spcPts val="2400"/>
-              </a:spcBef>
-              <a:spcAft>
-                <a:spcPts val="0"/>
-              </a:spcAft>
-              <a:buClr>
-                <a:schemeClr val="dk1"/>
-              </a:buClr>
-              <a:buSzPts val="7680"/>
-              <a:buNone/>
-              <a:defRPr sz="7680"/>
-            </a:lvl8pPr>
-            <a:lvl9pPr lvl="8" algn="ctr">
-              <a:lnSpc>
-                <a:spcPct val="90000"/>
-              </a:lnSpc>
-              <a:spcBef>
-                <a:spcPts val="2400"/>
-              </a:spcBef>
-              <a:spcAft>
-                <a:spcPts val="0"/>
-              </a:spcAft>
-              <a:buClr>
-                <a:schemeClr val="dk1"/>
-              </a:buClr>
-              <a:buSzPts val="7680"/>
-              <a:buNone/>
-              <a:defRPr sz="7680"/>
-            </a:lvl9pPr>
-          </a:lstStyle>
-          <a:p>
-            <a:endParaRPr/>
-          </a:p>
-        </p:txBody>
-      </p:sp>
-      <p:sp>
-        <p:nvSpPr>
-          <p:cNvPr id="20" name="Google Shape;20;p5"/>
-          <p:cNvSpPr txBox="1">
-            <a:spLocks noGrp="1"/>
-          </p:cNvSpPr>
-          <p:nvPr>
-            <p:ph type="dt" idx="10"/>
-          </p:nvPr>
-        </p:nvSpPr>
-        <p:spPr>
-          <a:xfrm>
-            <a:off x="3017520" y="30510487"/>
-            <a:ext cx="9875520" cy="1752600"/>
-          </a:xfrm>
-          <a:prstGeom prst="rect">
-            <a:avLst/>
-          </a:prstGeom>
-          <a:noFill/>
-          <a:ln>
-            <a:noFill/>
-          </a:ln>
-        </p:spPr>
-        <p:txBody>
-          <a:bodyPr spcFirstLastPara="1" wrap="square" lIns="91425" tIns="45700" rIns="91425" bIns="45700" anchor="ctr" anchorCtr="0">
-            <a:noAutofit/>
-          </a:bodyPr>
-          <a:lstStyle>
-            <a:lvl1pPr lvl="0" algn="l">
-              <a:spcBef>
-                <a:spcPts val="0"/>
-              </a:spcBef>
-              <a:spcAft>
-                <a:spcPts val="0"/>
-              </a:spcAft>
-              <a:buSzPts val="1400"/>
-              <a:buNone/>
-              <a:defRPr/>
-            </a:lvl1pPr>
-            <a:lvl2pPr lvl="1" algn="l">
-              <a:spcBef>
-                <a:spcPts val="0"/>
-              </a:spcBef>
-              <a:spcAft>
-                <a:spcPts val="0"/>
-              </a:spcAft>
-              <a:buSzPts val="1400"/>
-              <a:buNone/>
-              <a:defRPr/>
-            </a:lvl2pPr>
-            <a:lvl3pPr lvl="2" algn="l">
-              <a:spcBef>
-                <a:spcPts val="0"/>
-              </a:spcBef>
-              <a:spcAft>
-                <a:spcPts val="0"/>
-              </a:spcAft>
-              <a:buSzPts val="1400"/>
-              <a:buNone/>
-              <a:defRPr/>
-            </a:lvl3pPr>
-            <a:lvl4pPr lvl="3" algn="l">
-              <a:spcBef>
-                <a:spcPts val="0"/>
-              </a:spcBef>
-              <a:spcAft>
-                <a:spcPts val="0"/>
-              </a:spcAft>
-              <a:buSzPts val="1400"/>
-              <a:buNone/>
-              <a:defRPr/>
-            </a:lvl4pPr>
-            <a:lvl5pPr lvl="4" algn="l">
-              <a:spcBef>
-                <a:spcPts val="0"/>
-              </a:spcBef>
-              <a:spcAft>
-                <a:spcPts val="0"/>
-              </a:spcAft>
-              <a:buSzPts val="1400"/>
-              <a:buNone/>
-              <a:defRPr/>
-            </a:lvl5pPr>
-            <a:lvl6pPr lvl="5" algn="l">
-              <a:spcBef>
-                <a:spcPts val="0"/>
-              </a:spcBef>
-              <a:spcAft>
-                <a:spcPts val="0"/>
-              </a:spcAft>
-              <a:buSzPts val="1400"/>
-              <a:buNone/>
-              <a:defRPr/>
-            </a:lvl6pPr>
-            <a:lvl7pPr lvl="6" algn="l">
-              <a:spcBef>
-                <a:spcPts val="0"/>
-              </a:spcBef>
-              <a:spcAft>
-                <a:spcPts val="0"/>
-              </a:spcAft>
-              <a:buSzPts val="1400"/>
-              <a:buNone/>
-              <a:defRPr/>
-            </a:lvl7pPr>
-            <a:lvl8pPr lvl="7" algn="l">
-              <a:spcBef>
-                <a:spcPts val="0"/>
-              </a:spcBef>
-              <a:spcAft>
-                <a:spcPts val="0"/>
-              </a:spcAft>
-              <a:buSzPts val="1400"/>
-              <a:buNone/>
-              <a:defRPr/>
-            </a:lvl8pPr>
-            <a:lvl9pPr lvl="8" algn="l">
-              <a:spcBef>
-                <a:spcPts val="0"/>
-              </a:spcBef>
-              <a:spcAft>
-                <a:spcPts val="0"/>
-              </a:spcAft>
-              <a:buSzPts val="1400"/>
-              <a:buNone/>
-              <a:defRPr/>
-            </a:lvl9pPr>
-          </a:lstStyle>
-          <a:p>
-            <a:endParaRPr dirty="0"/>
-          </a:p>
-        </p:txBody>
-      </p:sp>
-      <p:sp>
-        <p:nvSpPr>
-          <p:cNvPr id="21" name="Google Shape;21;p5"/>
-          <p:cNvSpPr txBox="1">
-            <a:spLocks noGrp="1"/>
-          </p:cNvSpPr>
-          <p:nvPr>
-            <p:ph type="ftr" idx="11"/>
-          </p:nvPr>
-        </p:nvSpPr>
-        <p:spPr>
-          <a:xfrm>
-            <a:off x="14538960" y="30510487"/>
-            <a:ext cx="14813280" cy="1752600"/>
-          </a:xfrm>
-          <a:prstGeom prst="rect">
-            <a:avLst/>
-          </a:prstGeom>
-          <a:noFill/>
-          <a:ln>
-            <a:noFill/>
-          </a:ln>
-        </p:spPr>
-        <p:txBody>
-          <a:bodyPr spcFirstLastPara="1" wrap="square" lIns="91425" tIns="45700" rIns="91425" bIns="45700" anchor="ctr" anchorCtr="0">
-            <a:noAutofit/>
-          </a:bodyPr>
-          <a:lstStyle>
-            <a:lvl1pPr lvl="0" algn="ctr">
-              <a:spcBef>
-                <a:spcPts val="0"/>
-              </a:spcBef>
-              <a:spcAft>
-                <a:spcPts val="0"/>
-              </a:spcAft>
-              <a:buSzPts val="1400"/>
-              <a:buNone/>
-              <a:defRPr/>
-            </a:lvl1pPr>
-            <a:lvl2pPr lvl="1" algn="l">
-              <a:spcBef>
-                <a:spcPts val="0"/>
-              </a:spcBef>
-              <a:spcAft>
-                <a:spcPts val="0"/>
-              </a:spcAft>
-              <a:buSzPts val="1400"/>
-              <a:buNone/>
-              <a:defRPr/>
-            </a:lvl2pPr>
-            <a:lvl3pPr lvl="2" algn="l">
-              <a:spcBef>
-                <a:spcPts val="0"/>
-              </a:spcBef>
-              <a:spcAft>
-                <a:spcPts val="0"/>
-              </a:spcAft>
-              <a:buSzPts val="1400"/>
-              <a:buNone/>
-              <a:defRPr/>
-            </a:lvl3pPr>
-            <a:lvl4pPr lvl="3" algn="l">
-              <a:spcBef>
-                <a:spcPts val="0"/>
-              </a:spcBef>
-              <a:spcAft>
-                <a:spcPts val="0"/>
-              </a:spcAft>
-              <a:buSzPts val="1400"/>
-              <a:buNone/>
-              <a:defRPr/>
-            </a:lvl4pPr>
-            <a:lvl5pPr lvl="4" algn="l">
-              <a:spcBef>
-                <a:spcPts val="0"/>
-              </a:spcBef>
-              <a:spcAft>
-                <a:spcPts val="0"/>
-              </a:spcAft>
-              <a:buSzPts val="1400"/>
-              <a:buNone/>
-              <a:defRPr/>
-            </a:lvl5pPr>
-            <a:lvl6pPr lvl="5" algn="l">
-              <a:spcBef>
-                <a:spcPts val="0"/>
-              </a:spcBef>
-              <a:spcAft>
-                <a:spcPts val="0"/>
-              </a:spcAft>
-              <a:buSzPts val="1400"/>
-              <a:buNone/>
-              <a:defRPr/>
-            </a:lvl6pPr>
-            <a:lvl7pPr lvl="6" algn="l">
-              <a:spcBef>
-                <a:spcPts val="0"/>
-              </a:spcBef>
-              <a:spcAft>
-                <a:spcPts val="0"/>
-              </a:spcAft>
-              <a:buSzPts val="1400"/>
-              <a:buNone/>
-              <a:defRPr/>
-            </a:lvl7pPr>
-            <a:lvl8pPr lvl="7" algn="l">
-              <a:spcBef>
-                <a:spcPts val="0"/>
-              </a:spcBef>
-              <a:spcAft>
-                <a:spcPts val="0"/>
-              </a:spcAft>
-              <a:buSzPts val="1400"/>
-              <a:buNone/>
-              <a:defRPr/>
-            </a:lvl8pPr>
-            <a:lvl9pPr lvl="8" algn="l">
-              <a:spcBef>
-                <a:spcPts val="0"/>
-              </a:spcBef>
-              <a:spcAft>
-                <a:spcPts val="0"/>
-              </a:spcAft>
-              <a:buSzPts val="1400"/>
-              <a:buNone/>
-              <a:defRPr/>
-            </a:lvl9pPr>
-          </a:lstStyle>
-          <a:p>
-            <a:endParaRPr dirty="0"/>
-          </a:p>
-        </p:txBody>
-      </p:sp>
-      <p:sp>
-        <p:nvSpPr>
-          <p:cNvPr id="22" name="Google Shape;22;p5"/>
-          <p:cNvSpPr txBox="1">
-            <a:spLocks noGrp="1"/>
-          </p:cNvSpPr>
-          <p:nvPr>
-            <p:ph type="sldNum" idx="12"/>
-          </p:nvPr>
-        </p:nvSpPr>
-        <p:spPr>
-          <a:xfrm>
-            <a:off x="30998160" y="30510487"/>
-            <a:ext cx="9875520" cy="1752600"/>
-          </a:xfrm>
-          <a:prstGeom prst="rect">
-            <a:avLst/>
-          </a:prstGeom>
-          <a:noFill/>
-          <a:ln>
-            <a:noFill/>
-          </a:ln>
-        </p:spPr>
-        <p:txBody>
-          <a:bodyPr spcFirstLastPara="1" wrap="square" lIns="91425" tIns="45700" rIns="91425" bIns="45700" anchor="ctr" anchorCtr="0">
-            <a:noAutofit/>
-          </a:bodyPr>
-          <a:lstStyle>
-            <a:lvl1pPr marL="0" lvl="0" indent="0" algn="r">
-              <a:spcBef>
-                <a:spcPts val="0"/>
-              </a:spcBef>
-              <a:buNone/>
-              <a:defRPr/>
-            </a:lvl1pPr>
-            <a:lvl2pPr marL="0" lvl="1" indent="0" algn="r">
-              <a:spcBef>
-                <a:spcPts val="0"/>
-              </a:spcBef>
-              <a:buNone/>
-              <a:defRPr/>
-            </a:lvl2pPr>
-            <a:lvl3pPr marL="0" lvl="2" indent="0" algn="r">
-              <a:spcBef>
-                <a:spcPts val="0"/>
-              </a:spcBef>
-              <a:buNone/>
-              <a:defRPr/>
-            </a:lvl3pPr>
-            <a:lvl4pPr marL="0" lvl="3" indent="0" algn="r">
-              <a:spcBef>
-                <a:spcPts val="0"/>
-              </a:spcBef>
-              <a:buNone/>
-              <a:defRPr/>
-            </a:lvl4pPr>
-            <a:lvl5pPr marL="0" lvl="4" indent="0" algn="r">
-              <a:spcBef>
-                <a:spcPts val="0"/>
-              </a:spcBef>
-              <a:buNone/>
-              <a:defRPr/>
-            </a:lvl5pPr>
-            <a:lvl6pPr marL="0" lvl="5" indent="0" algn="r">
-              <a:spcBef>
-                <a:spcPts val="0"/>
-              </a:spcBef>
-              <a:buNone/>
-              <a:defRPr/>
-            </a:lvl6pPr>
-            <a:lvl7pPr marL="0" lvl="6" indent="0" algn="r">
-              <a:spcBef>
-                <a:spcPts val="0"/>
-              </a:spcBef>
-              <a:buNone/>
-              <a:defRPr/>
-            </a:lvl7pPr>
-            <a:lvl8pPr marL="0" lvl="7" indent="0" algn="r">
-              <a:spcBef>
-                <a:spcPts val="0"/>
-              </a:spcBef>
-              <a:buNone/>
-              <a:defRPr/>
-            </a:lvl8pPr>
-            <a:lvl9pPr marL="0" lvl="8" indent="0" algn="r">
-              <a:spcBef>
-                <a:spcPts val="0"/>
-              </a:spcBef>
-              <a:buNone/>
-              <a:defRPr/>
-            </a:lvl9pPr>
-          </a:lstStyle>
-          <a:p>
-            <a:pPr marL="0" lvl="0" indent="0" algn="r" rtl="0">
-              <a:spcBef>
-                <a:spcPts val="0"/>
-              </a:spcBef>
-              <a:spcAft>
-                <a:spcPts val="0"/>
-              </a:spcAft>
-              <a:buNone/>
-            </a:pPr>
-            <a:fld id="{00000000-1234-1234-1234-123412341234}" type="slidenum">
-              <a:rPr lang="en-US"/>
-              <a:t>‹#›</a:t>
-            </a:fld>
-            <a:endParaRPr dirty="0"/>
-          </a:p>
-        </p:txBody>
-      </p:sp>
-    </p:spTree>
-  </p:cSld>
-  <p:clrMapOvr>
-    <a:masterClrMapping/>
-  </p:clrMapOvr>
-</p:sldLayout>
-</file>
-
-<file path=ppt/slideLayouts/slideLayout3.xml><?xml version="1.0" encoding="utf-8"?>
 <p:sldLayout xmlns:a="http://schemas.openxmlformats.org/drawingml/2006/main" xmlns:r="http://schemas.openxmlformats.org/officeDocument/2006/relationships" xmlns:p="http://schemas.openxmlformats.org/presentationml/2006/main" matchingName="Section Header" type="secHead">
   <p:cSld name="SECTION_HEADER">
     <p:spTree>
@@ -4616,7 +3161,7 @@
 </p:sldLayout>
 </file>
 
-<file path=ppt/slideLayouts/slideLayout4.xml><?xml version="1.0" encoding="utf-8"?>
+<file path=ppt/slideLayouts/slideLayout3.xml><?xml version="1.0" encoding="utf-8"?>
 <p:sldLayout xmlns:a="http://schemas.openxmlformats.org/drawingml/2006/main" xmlns:r="http://schemas.openxmlformats.org/officeDocument/2006/relationships" xmlns:p="http://schemas.openxmlformats.org/presentationml/2006/main" matchingName="Two Content" type="twoObj">
   <p:cSld name="TWO_OBJECTS">
     <p:spTree>
@@ -5530,7 +4075,7 @@
 </p:sldLayout>
 </file>
 
-<file path=ppt/slideLayouts/slideLayout5.xml><?xml version="1.0" encoding="utf-8"?>
+<file path=ppt/slideLayouts/slideLayout4.xml><?xml version="1.0" encoding="utf-8"?>
 <p:sldLayout xmlns:a="http://schemas.openxmlformats.org/drawingml/2006/main" xmlns:r="http://schemas.openxmlformats.org/officeDocument/2006/relationships" xmlns:p="http://schemas.openxmlformats.org/presentationml/2006/main" matchingName="Comparison" type="twoTxTwoObj">
   <p:cSld name="TWO_OBJECTS_WITH_TEXT">
     <p:spTree>
@@ -6818,7 +5363,7 @@
 </p:sldLayout>
 </file>
 
-<file path=ppt/slideLayouts/slideLayout6.xml><?xml version="1.0" encoding="utf-8"?>
+<file path=ppt/slideLayouts/slideLayout5.xml><?xml version="1.0" encoding="utf-8"?>
 <p:sldLayout xmlns:a="http://schemas.openxmlformats.org/drawingml/2006/main" xmlns:r="http://schemas.openxmlformats.org/officeDocument/2006/relationships" xmlns:p="http://schemas.openxmlformats.org/presentationml/2006/main" matchingName="Title Only" type="titleOnly">
   <p:cSld name="TITLE_ONLY">
     <p:spTree>
@@ -7358,7 +5903,7 @@
 </p:sldLayout>
 </file>
 
-<file path=ppt/slideLayouts/slideLayout7.xml><?xml version="1.0" encoding="utf-8"?>
+<file path=ppt/slideLayouts/slideLayout6.xml><?xml version="1.0" encoding="utf-8"?>
 <p:sldLayout xmlns:a="http://schemas.openxmlformats.org/drawingml/2006/main" xmlns:r="http://schemas.openxmlformats.org/officeDocument/2006/relationships" xmlns:p="http://schemas.openxmlformats.org/presentationml/2006/main" matchingName="Blank" type="blank">
   <p:cSld name="BLANK">
     <p:spTree>
@@ -7759,7 +6304,7 @@
 </p:sldLayout>
 </file>
 
-<file path=ppt/slideLayouts/slideLayout8.xml><?xml version="1.0" encoding="utf-8"?>
+<file path=ppt/slideLayouts/slideLayout7.xml><?xml version="1.0" encoding="utf-8"?>
 <p:sldLayout xmlns:a="http://schemas.openxmlformats.org/drawingml/2006/main" xmlns:r="http://schemas.openxmlformats.org/officeDocument/2006/relationships" xmlns:p="http://schemas.openxmlformats.org/presentationml/2006/main" matchingName="Content with Caption" type="objTx">
   <p:cSld name="OBJECT_WITH_CAPTION_TEXT">
     <p:spTree>
@@ -8674,7 +7219,7 @@
 </p:sldLayout>
 </file>
 
-<file path=ppt/slideLayouts/slideLayout9.xml><?xml version="1.0" encoding="utf-8"?>
+<file path=ppt/slideLayouts/slideLayout8.xml><?xml version="1.0" encoding="utf-8"?>
 <p:sldLayout xmlns:a="http://schemas.openxmlformats.org/drawingml/2006/main" xmlns:r="http://schemas.openxmlformats.org/officeDocument/2006/relationships" xmlns:p="http://schemas.openxmlformats.org/presentationml/2006/main" matchingName="Picture with Caption" type="picTx">
   <p:cSld name="PICTURE_WITH_CAPTION_TEXT">
     <p:spTree>
@@ -9311,6 +7856,733 @@
       <p:sp>
         <p:nvSpPr>
           <p:cNvPr id="67" name="Google Shape;67;p12"/>
+          <p:cNvSpPr txBox="1">
+            <a:spLocks noGrp="1"/>
+          </p:cNvSpPr>
+          <p:nvPr>
+            <p:ph type="sldNum" idx="12"/>
+          </p:nvPr>
+        </p:nvSpPr>
+        <p:spPr>
+          <a:xfrm>
+            <a:off x="30998160" y="30510487"/>
+            <a:ext cx="9875520" cy="1752600"/>
+          </a:xfrm>
+          <a:prstGeom prst="rect">
+            <a:avLst/>
+          </a:prstGeom>
+          <a:noFill/>
+          <a:ln>
+            <a:noFill/>
+          </a:ln>
+        </p:spPr>
+        <p:txBody>
+          <a:bodyPr spcFirstLastPara="1" wrap="square" lIns="91425" tIns="45700" rIns="91425" bIns="45700" anchor="ctr" anchorCtr="0">
+            <a:noAutofit/>
+          </a:bodyPr>
+          <a:lstStyle>
+            <a:lvl1pPr marL="0" lvl="0" indent="0" algn="r">
+              <a:spcBef>
+                <a:spcPts val="0"/>
+              </a:spcBef>
+              <a:buNone/>
+              <a:defRPr/>
+            </a:lvl1pPr>
+            <a:lvl2pPr marL="0" lvl="1" indent="0" algn="r">
+              <a:spcBef>
+                <a:spcPts val="0"/>
+              </a:spcBef>
+              <a:buNone/>
+              <a:defRPr/>
+            </a:lvl2pPr>
+            <a:lvl3pPr marL="0" lvl="2" indent="0" algn="r">
+              <a:spcBef>
+                <a:spcPts val="0"/>
+              </a:spcBef>
+              <a:buNone/>
+              <a:defRPr/>
+            </a:lvl3pPr>
+            <a:lvl4pPr marL="0" lvl="3" indent="0" algn="r">
+              <a:spcBef>
+                <a:spcPts val="0"/>
+              </a:spcBef>
+              <a:buNone/>
+              <a:defRPr/>
+            </a:lvl4pPr>
+            <a:lvl5pPr marL="0" lvl="4" indent="0" algn="r">
+              <a:spcBef>
+                <a:spcPts val="0"/>
+              </a:spcBef>
+              <a:buNone/>
+              <a:defRPr/>
+            </a:lvl5pPr>
+            <a:lvl6pPr marL="0" lvl="5" indent="0" algn="r">
+              <a:spcBef>
+                <a:spcPts val="0"/>
+              </a:spcBef>
+              <a:buNone/>
+              <a:defRPr/>
+            </a:lvl6pPr>
+            <a:lvl7pPr marL="0" lvl="6" indent="0" algn="r">
+              <a:spcBef>
+                <a:spcPts val="0"/>
+              </a:spcBef>
+              <a:buNone/>
+              <a:defRPr/>
+            </a:lvl7pPr>
+            <a:lvl8pPr marL="0" lvl="7" indent="0" algn="r">
+              <a:spcBef>
+                <a:spcPts val="0"/>
+              </a:spcBef>
+              <a:buNone/>
+              <a:defRPr/>
+            </a:lvl8pPr>
+            <a:lvl9pPr marL="0" lvl="8" indent="0" algn="r">
+              <a:spcBef>
+                <a:spcPts val="0"/>
+              </a:spcBef>
+              <a:buNone/>
+              <a:defRPr/>
+            </a:lvl9pPr>
+          </a:lstStyle>
+          <a:p>
+            <a:pPr marL="0" lvl="0" indent="0" algn="r" rtl="0">
+              <a:spcBef>
+                <a:spcPts val="0"/>
+              </a:spcBef>
+              <a:spcAft>
+                <a:spcPts val="0"/>
+              </a:spcAft>
+              <a:buNone/>
+            </a:pPr>
+            <a:fld id="{00000000-1234-1234-1234-123412341234}" type="slidenum">
+              <a:rPr lang="en-US"/>
+              <a:t>‹#›</a:t>
+            </a:fld>
+            <a:endParaRPr dirty="0"/>
+          </a:p>
+        </p:txBody>
+      </p:sp>
+    </p:spTree>
+  </p:cSld>
+  <p:clrMapOvr>
+    <a:masterClrMapping/>
+  </p:clrMapOvr>
+</p:sldLayout>
+</file>
+
+<file path=ppt/slideLayouts/slideLayout9.xml><?xml version="1.0" encoding="utf-8"?>
+<p:sldLayout xmlns:a="http://schemas.openxmlformats.org/drawingml/2006/main" xmlns:r="http://schemas.openxmlformats.org/officeDocument/2006/relationships" xmlns:p="http://schemas.openxmlformats.org/presentationml/2006/main" matchingName="Title and Vertical Text" type="vertTx">
+  <p:cSld name="VERTICAL_TEXT">
+    <p:spTree>
+      <p:nvGrpSpPr>
+        <p:cNvPr id="1" name="Shape 68"/>
+        <p:cNvGrpSpPr/>
+        <p:nvPr/>
+      </p:nvGrpSpPr>
+      <p:grpSpPr>
+        <a:xfrm>
+          <a:off x="0" y="0"/>
+          <a:ext cx="0" cy="0"/>
+          <a:chOff x="0" y="0"/>
+          <a:chExt cx="0" cy="0"/>
+        </a:xfrm>
+      </p:grpSpPr>
+      <p:sp>
+        <p:nvSpPr>
+          <p:cNvPr id="69" name="Google Shape;69;p13"/>
+          <p:cNvSpPr txBox="1">
+            <a:spLocks noGrp="1"/>
+          </p:cNvSpPr>
+          <p:nvPr>
+            <p:ph type="title"/>
+          </p:nvPr>
+        </p:nvSpPr>
+        <p:spPr>
+          <a:xfrm>
+            <a:off x="3017520" y="1752607"/>
+            <a:ext cx="37856160" cy="6362702"/>
+          </a:xfrm>
+          <a:prstGeom prst="rect">
+            <a:avLst/>
+          </a:prstGeom>
+          <a:noFill/>
+          <a:ln>
+            <a:noFill/>
+          </a:ln>
+        </p:spPr>
+        <p:txBody>
+          <a:bodyPr spcFirstLastPara="1" wrap="square" lIns="91425" tIns="45700" rIns="91425" bIns="45700" anchor="ctr" anchorCtr="0">
+            <a:normAutofit/>
+          </a:bodyPr>
+          <a:lstStyle>
+            <a:lvl1pPr lvl="0" algn="l">
+              <a:lnSpc>
+                <a:spcPct val="90000"/>
+              </a:lnSpc>
+              <a:spcBef>
+                <a:spcPts val="0"/>
+              </a:spcBef>
+              <a:spcAft>
+                <a:spcPts val="0"/>
+              </a:spcAft>
+              <a:buClr>
+                <a:schemeClr val="dk1"/>
+              </a:buClr>
+              <a:buSzPts val="1800"/>
+              <a:buNone/>
+              <a:defRPr/>
+            </a:lvl1pPr>
+            <a:lvl2pPr lvl="1">
+              <a:spcBef>
+                <a:spcPts val="0"/>
+              </a:spcBef>
+              <a:spcAft>
+                <a:spcPts val="0"/>
+              </a:spcAft>
+              <a:buSzPts val="1400"/>
+              <a:buNone/>
+              <a:defRPr/>
+            </a:lvl2pPr>
+            <a:lvl3pPr lvl="2">
+              <a:spcBef>
+                <a:spcPts val="0"/>
+              </a:spcBef>
+              <a:spcAft>
+                <a:spcPts val="0"/>
+              </a:spcAft>
+              <a:buSzPts val="1400"/>
+              <a:buNone/>
+              <a:defRPr/>
+            </a:lvl3pPr>
+            <a:lvl4pPr lvl="3">
+              <a:spcBef>
+                <a:spcPts val="0"/>
+              </a:spcBef>
+              <a:spcAft>
+                <a:spcPts val="0"/>
+              </a:spcAft>
+              <a:buSzPts val="1400"/>
+              <a:buNone/>
+              <a:defRPr/>
+            </a:lvl4pPr>
+            <a:lvl5pPr lvl="4">
+              <a:spcBef>
+                <a:spcPts val="0"/>
+              </a:spcBef>
+              <a:spcAft>
+                <a:spcPts val="0"/>
+              </a:spcAft>
+              <a:buSzPts val="1400"/>
+              <a:buNone/>
+              <a:defRPr/>
+            </a:lvl5pPr>
+            <a:lvl6pPr lvl="5">
+              <a:spcBef>
+                <a:spcPts val="0"/>
+              </a:spcBef>
+              <a:spcAft>
+                <a:spcPts val="0"/>
+              </a:spcAft>
+              <a:buSzPts val="1400"/>
+              <a:buNone/>
+              <a:defRPr/>
+            </a:lvl6pPr>
+            <a:lvl7pPr lvl="6">
+              <a:spcBef>
+                <a:spcPts val="0"/>
+              </a:spcBef>
+              <a:spcAft>
+                <a:spcPts val="0"/>
+              </a:spcAft>
+              <a:buSzPts val="1400"/>
+              <a:buNone/>
+              <a:defRPr/>
+            </a:lvl7pPr>
+            <a:lvl8pPr lvl="7">
+              <a:spcBef>
+                <a:spcPts val="0"/>
+              </a:spcBef>
+              <a:spcAft>
+                <a:spcPts val="0"/>
+              </a:spcAft>
+              <a:buSzPts val="1400"/>
+              <a:buNone/>
+              <a:defRPr/>
+            </a:lvl8pPr>
+            <a:lvl9pPr lvl="8">
+              <a:spcBef>
+                <a:spcPts val="0"/>
+              </a:spcBef>
+              <a:spcAft>
+                <a:spcPts val="0"/>
+              </a:spcAft>
+              <a:buSzPts val="1400"/>
+              <a:buNone/>
+              <a:defRPr/>
+            </a:lvl9pPr>
+          </a:lstStyle>
+          <a:p>
+            <a:endParaRPr/>
+          </a:p>
+        </p:txBody>
+      </p:sp>
+      <p:sp>
+        <p:nvSpPr>
+          <p:cNvPr id="70" name="Google Shape;70;p13"/>
+          <p:cNvSpPr txBox="1">
+            <a:spLocks noGrp="1"/>
+          </p:cNvSpPr>
+          <p:nvPr>
+            <p:ph type="body" idx="1"/>
+          </p:nvPr>
+        </p:nvSpPr>
+        <p:spPr>
+          <a:xfrm rot="5400000">
+            <a:off x="11502389" y="278131"/>
+            <a:ext cx="20886422" cy="37856160"/>
+          </a:xfrm>
+          <a:prstGeom prst="rect">
+            <a:avLst/>
+          </a:prstGeom>
+          <a:noFill/>
+          <a:ln>
+            <a:noFill/>
+          </a:ln>
+        </p:spPr>
+        <p:txBody>
+          <a:bodyPr spcFirstLastPara="1" wrap="square" lIns="91425" tIns="45700" rIns="91425" bIns="45700" anchor="t" anchorCtr="0">
+            <a:normAutofit/>
+          </a:bodyPr>
+          <a:lstStyle>
+            <a:lvl1pPr marL="457200" lvl="0" indent="-342900" algn="l">
+              <a:lnSpc>
+                <a:spcPct val="90000"/>
+              </a:lnSpc>
+              <a:spcBef>
+                <a:spcPts val="4800"/>
+              </a:spcBef>
+              <a:spcAft>
+                <a:spcPts val="0"/>
+              </a:spcAft>
+              <a:buClr>
+                <a:schemeClr val="dk1"/>
+              </a:buClr>
+              <a:buSzPts val="1800"/>
+              <a:buChar char="•"/>
+              <a:defRPr/>
+            </a:lvl1pPr>
+            <a:lvl2pPr marL="914400" lvl="1" indent="-342900" algn="l">
+              <a:lnSpc>
+                <a:spcPct val="90000"/>
+              </a:lnSpc>
+              <a:spcBef>
+                <a:spcPts val="2400"/>
+              </a:spcBef>
+              <a:spcAft>
+                <a:spcPts val="0"/>
+              </a:spcAft>
+              <a:buClr>
+                <a:schemeClr val="dk1"/>
+              </a:buClr>
+              <a:buSzPts val="1800"/>
+              <a:buChar char="•"/>
+              <a:defRPr/>
+            </a:lvl2pPr>
+            <a:lvl3pPr marL="1371600" lvl="2" indent="-342900" algn="l">
+              <a:lnSpc>
+                <a:spcPct val="90000"/>
+              </a:lnSpc>
+              <a:spcBef>
+                <a:spcPts val="2400"/>
+              </a:spcBef>
+              <a:spcAft>
+                <a:spcPts val="0"/>
+              </a:spcAft>
+              <a:buClr>
+                <a:schemeClr val="dk1"/>
+              </a:buClr>
+              <a:buSzPts val="1800"/>
+              <a:buChar char="•"/>
+              <a:defRPr/>
+            </a:lvl3pPr>
+            <a:lvl4pPr marL="1828800" lvl="3" indent="-342900" algn="l">
+              <a:lnSpc>
+                <a:spcPct val="90000"/>
+              </a:lnSpc>
+              <a:spcBef>
+                <a:spcPts val="2400"/>
+              </a:spcBef>
+              <a:spcAft>
+                <a:spcPts val="0"/>
+              </a:spcAft>
+              <a:buClr>
+                <a:schemeClr val="dk1"/>
+              </a:buClr>
+              <a:buSzPts val="1800"/>
+              <a:buChar char="•"/>
+              <a:defRPr/>
+            </a:lvl4pPr>
+            <a:lvl5pPr marL="2286000" lvl="4" indent="-342900" algn="l">
+              <a:lnSpc>
+                <a:spcPct val="90000"/>
+              </a:lnSpc>
+              <a:spcBef>
+                <a:spcPts val="2400"/>
+              </a:spcBef>
+              <a:spcAft>
+                <a:spcPts val="0"/>
+              </a:spcAft>
+              <a:buClr>
+                <a:schemeClr val="dk1"/>
+              </a:buClr>
+              <a:buSzPts val="1800"/>
+              <a:buChar char="•"/>
+              <a:defRPr/>
+            </a:lvl5pPr>
+            <a:lvl6pPr marL="2743200" lvl="5" indent="-342900" algn="l">
+              <a:lnSpc>
+                <a:spcPct val="90000"/>
+              </a:lnSpc>
+              <a:spcBef>
+                <a:spcPts val="2400"/>
+              </a:spcBef>
+              <a:spcAft>
+                <a:spcPts val="0"/>
+              </a:spcAft>
+              <a:buClr>
+                <a:schemeClr val="dk1"/>
+              </a:buClr>
+              <a:buSzPts val="1800"/>
+              <a:buChar char="•"/>
+              <a:defRPr/>
+            </a:lvl6pPr>
+            <a:lvl7pPr marL="3200400" lvl="6" indent="-342900" algn="l">
+              <a:lnSpc>
+                <a:spcPct val="90000"/>
+              </a:lnSpc>
+              <a:spcBef>
+                <a:spcPts val="2400"/>
+              </a:spcBef>
+              <a:spcAft>
+                <a:spcPts val="0"/>
+              </a:spcAft>
+              <a:buClr>
+                <a:schemeClr val="dk1"/>
+              </a:buClr>
+              <a:buSzPts val="1800"/>
+              <a:buChar char="•"/>
+              <a:defRPr/>
+            </a:lvl7pPr>
+            <a:lvl8pPr marL="3657600" lvl="7" indent="-342900" algn="l">
+              <a:lnSpc>
+                <a:spcPct val="90000"/>
+              </a:lnSpc>
+              <a:spcBef>
+                <a:spcPts val="2400"/>
+              </a:spcBef>
+              <a:spcAft>
+                <a:spcPts val="0"/>
+              </a:spcAft>
+              <a:buClr>
+                <a:schemeClr val="dk1"/>
+              </a:buClr>
+              <a:buSzPts val="1800"/>
+              <a:buChar char="•"/>
+              <a:defRPr/>
+            </a:lvl8pPr>
+            <a:lvl9pPr marL="4114800" lvl="8" indent="-342900" algn="l">
+              <a:lnSpc>
+                <a:spcPct val="90000"/>
+              </a:lnSpc>
+              <a:spcBef>
+                <a:spcPts val="2400"/>
+              </a:spcBef>
+              <a:spcAft>
+                <a:spcPts val="0"/>
+              </a:spcAft>
+              <a:buClr>
+                <a:schemeClr val="dk1"/>
+              </a:buClr>
+              <a:buSzPts val="1800"/>
+              <a:buChar char="•"/>
+              <a:defRPr/>
+            </a:lvl9pPr>
+          </a:lstStyle>
+          <a:p>
+            <a:endParaRPr/>
+          </a:p>
+        </p:txBody>
+      </p:sp>
+      <p:sp>
+        <p:nvSpPr>
+          <p:cNvPr id="71" name="Google Shape;71;p13"/>
+          <p:cNvSpPr txBox="1">
+            <a:spLocks noGrp="1"/>
+          </p:cNvSpPr>
+          <p:nvPr>
+            <p:ph type="dt" idx="10"/>
+          </p:nvPr>
+        </p:nvSpPr>
+        <p:spPr>
+          <a:xfrm>
+            <a:off x="3017520" y="30510487"/>
+            <a:ext cx="9875520" cy="1752600"/>
+          </a:xfrm>
+          <a:prstGeom prst="rect">
+            <a:avLst/>
+          </a:prstGeom>
+          <a:noFill/>
+          <a:ln>
+            <a:noFill/>
+          </a:ln>
+        </p:spPr>
+        <p:txBody>
+          <a:bodyPr spcFirstLastPara="1" wrap="square" lIns="91425" tIns="45700" rIns="91425" bIns="45700" anchor="ctr" anchorCtr="0">
+            <a:noAutofit/>
+          </a:bodyPr>
+          <a:lstStyle>
+            <a:lvl1pPr lvl="0" algn="l">
+              <a:spcBef>
+                <a:spcPts val="0"/>
+              </a:spcBef>
+              <a:spcAft>
+                <a:spcPts val="0"/>
+              </a:spcAft>
+              <a:buSzPts val="1400"/>
+              <a:buNone/>
+              <a:defRPr/>
+            </a:lvl1pPr>
+            <a:lvl2pPr lvl="1" algn="l">
+              <a:spcBef>
+                <a:spcPts val="0"/>
+              </a:spcBef>
+              <a:spcAft>
+                <a:spcPts val="0"/>
+              </a:spcAft>
+              <a:buSzPts val="1400"/>
+              <a:buNone/>
+              <a:defRPr/>
+            </a:lvl2pPr>
+            <a:lvl3pPr lvl="2" algn="l">
+              <a:spcBef>
+                <a:spcPts val="0"/>
+              </a:spcBef>
+              <a:spcAft>
+                <a:spcPts val="0"/>
+              </a:spcAft>
+              <a:buSzPts val="1400"/>
+              <a:buNone/>
+              <a:defRPr/>
+            </a:lvl3pPr>
+            <a:lvl4pPr lvl="3" algn="l">
+              <a:spcBef>
+                <a:spcPts val="0"/>
+              </a:spcBef>
+              <a:spcAft>
+                <a:spcPts val="0"/>
+              </a:spcAft>
+              <a:buSzPts val="1400"/>
+              <a:buNone/>
+              <a:defRPr/>
+            </a:lvl4pPr>
+            <a:lvl5pPr lvl="4" algn="l">
+              <a:spcBef>
+                <a:spcPts val="0"/>
+              </a:spcBef>
+              <a:spcAft>
+                <a:spcPts val="0"/>
+              </a:spcAft>
+              <a:buSzPts val="1400"/>
+              <a:buNone/>
+              <a:defRPr/>
+            </a:lvl5pPr>
+            <a:lvl6pPr lvl="5" algn="l">
+              <a:spcBef>
+                <a:spcPts val="0"/>
+              </a:spcBef>
+              <a:spcAft>
+                <a:spcPts val="0"/>
+              </a:spcAft>
+              <a:buSzPts val="1400"/>
+              <a:buNone/>
+              <a:defRPr/>
+            </a:lvl6pPr>
+            <a:lvl7pPr lvl="6" algn="l">
+              <a:spcBef>
+                <a:spcPts val="0"/>
+              </a:spcBef>
+              <a:spcAft>
+                <a:spcPts val="0"/>
+              </a:spcAft>
+              <a:buSzPts val="1400"/>
+              <a:buNone/>
+              <a:defRPr/>
+            </a:lvl7pPr>
+            <a:lvl8pPr lvl="7" algn="l">
+              <a:spcBef>
+                <a:spcPts val="0"/>
+              </a:spcBef>
+              <a:spcAft>
+                <a:spcPts val="0"/>
+              </a:spcAft>
+              <a:buSzPts val="1400"/>
+              <a:buNone/>
+              <a:defRPr/>
+            </a:lvl8pPr>
+            <a:lvl9pPr lvl="8" algn="l">
+              <a:spcBef>
+                <a:spcPts val="0"/>
+              </a:spcBef>
+              <a:spcAft>
+                <a:spcPts val="0"/>
+              </a:spcAft>
+              <a:buSzPts val="1400"/>
+              <a:buNone/>
+              <a:defRPr/>
+            </a:lvl9pPr>
+          </a:lstStyle>
+          <a:p>
+            <a:endParaRPr dirty="0"/>
+          </a:p>
+        </p:txBody>
+      </p:sp>
+      <p:sp>
+        <p:nvSpPr>
+          <p:cNvPr id="72" name="Google Shape;72;p13"/>
+          <p:cNvSpPr txBox="1">
+            <a:spLocks noGrp="1"/>
+          </p:cNvSpPr>
+          <p:nvPr>
+            <p:ph type="ftr" idx="11"/>
+          </p:nvPr>
+        </p:nvSpPr>
+        <p:spPr>
+          <a:xfrm>
+            <a:off x="14538960" y="30510487"/>
+            <a:ext cx="14813280" cy="1752600"/>
+          </a:xfrm>
+          <a:prstGeom prst="rect">
+            <a:avLst/>
+          </a:prstGeom>
+          <a:noFill/>
+          <a:ln>
+            <a:noFill/>
+          </a:ln>
+        </p:spPr>
+        <p:txBody>
+          <a:bodyPr spcFirstLastPara="1" wrap="square" lIns="91425" tIns="45700" rIns="91425" bIns="45700" anchor="ctr" anchorCtr="0">
+            <a:noAutofit/>
+          </a:bodyPr>
+          <a:lstStyle>
+            <a:lvl1pPr lvl="0" algn="ctr">
+              <a:spcBef>
+                <a:spcPts val="0"/>
+              </a:spcBef>
+              <a:spcAft>
+                <a:spcPts val="0"/>
+              </a:spcAft>
+              <a:buSzPts val="1400"/>
+              <a:buNone/>
+              <a:defRPr/>
+            </a:lvl1pPr>
+            <a:lvl2pPr lvl="1" algn="l">
+              <a:spcBef>
+                <a:spcPts val="0"/>
+              </a:spcBef>
+              <a:spcAft>
+                <a:spcPts val="0"/>
+              </a:spcAft>
+              <a:buSzPts val="1400"/>
+              <a:buNone/>
+              <a:defRPr/>
+            </a:lvl2pPr>
+            <a:lvl3pPr lvl="2" algn="l">
+              <a:spcBef>
+                <a:spcPts val="0"/>
+              </a:spcBef>
+              <a:spcAft>
+                <a:spcPts val="0"/>
+              </a:spcAft>
+              <a:buSzPts val="1400"/>
+              <a:buNone/>
+              <a:defRPr/>
+            </a:lvl3pPr>
+            <a:lvl4pPr lvl="3" algn="l">
+              <a:spcBef>
+                <a:spcPts val="0"/>
+              </a:spcBef>
+              <a:spcAft>
+                <a:spcPts val="0"/>
+              </a:spcAft>
+              <a:buSzPts val="1400"/>
+              <a:buNone/>
+              <a:defRPr/>
+            </a:lvl4pPr>
+            <a:lvl5pPr lvl="4" algn="l">
+              <a:spcBef>
+                <a:spcPts val="0"/>
+              </a:spcBef>
+              <a:spcAft>
+                <a:spcPts val="0"/>
+              </a:spcAft>
+              <a:buSzPts val="1400"/>
+              <a:buNone/>
+              <a:defRPr/>
+            </a:lvl5pPr>
+            <a:lvl6pPr lvl="5" algn="l">
+              <a:spcBef>
+                <a:spcPts val="0"/>
+              </a:spcBef>
+              <a:spcAft>
+                <a:spcPts val="0"/>
+              </a:spcAft>
+              <a:buSzPts val="1400"/>
+              <a:buNone/>
+              <a:defRPr/>
+            </a:lvl6pPr>
+            <a:lvl7pPr lvl="6" algn="l">
+              <a:spcBef>
+                <a:spcPts val="0"/>
+              </a:spcBef>
+              <a:spcAft>
+                <a:spcPts val="0"/>
+              </a:spcAft>
+              <a:buSzPts val="1400"/>
+              <a:buNone/>
+              <a:defRPr/>
+            </a:lvl7pPr>
+            <a:lvl8pPr lvl="7" algn="l">
+              <a:spcBef>
+                <a:spcPts val="0"/>
+              </a:spcBef>
+              <a:spcAft>
+                <a:spcPts val="0"/>
+              </a:spcAft>
+              <a:buSzPts val="1400"/>
+              <a:buNone/>
+              <a:defRPr/>
+            </a:lvl8pPr>
+            <a:lvl9pPr lvl="8" algn="l">
+              <a:spcBef>
+                <a:spcPts val="0"/>
+              </a:spcBef>
+              <a:spcAft>
+                <a:spcPts val="0"/>
+              </a:spcAft>
+              <a:buSzPts val="1400"/>
+              <a:buNone/>
+              <a:defRPr/>
+            </a:lvl9pPr>
+          </a:lstStyle>
+          <a:p>
+            <a:endParaRPr dirty="0"/>
+          </a:p>
+        </p:txBody>
+      </p:sp>
+      <p:sp>
+        <p:nvSpPr>
+          <p:cNvPr id="73" name="Google Shape;73;p13"/>
           <p:cNvSpPr txBox="1">
             <a:spLocks noGrp="1"/>
           </p:cNvSpPr>
@@ -10464,16 +9736,15 @@
   <p:clrMap bg1="lt1" tx1="dk1" bg2="dk2" tx2="lt2" accent1="accent1" accent2="accent2" accent3="accent3" accent4="accent4" accent5="accent5" accent6="accent6" hlink="hlink" folHlink="folHlink"/>
   <p:sldLayoutIdLst>
     <p:sldLayoutId id="2147483649" r:id="rId1"/>
-    <p:sldLayoutId id="2147483650" r:id="rId2"/>
-    <p:sldLayoutId id="2147483651" r:id="rId3"/>
-    <p:sldLayoutId id="2147483652" r:id="rId4"/>
-    <p:sldLayoutId id="2147483653" r:id="rId5"/>
-    <p:sldLayoutId id="2147483654" r:id="rId6"/>
-    <p:sldLayoutId id="2147483655" r:id="rId7"/>
-    <p:sldLayoutId id="2147483656" r:id="rId8"/>
-    <p:sldLayoutId id="2147483657" r:id="rId9"/>
-    <p:sldLayoutId id="2147483658" r:id="rId10"/>
-    <p:sldLayoutId id="2147483659" r:id="rId11"/>
+    <p:sldLayoutId id="2147483651" r:id="rId2"/>
+    <p:sldLayoutId id="2147483652" r:id="rId3"/>
+    <p:sldLayoutId id="2147483653" r:id="rId4"/>
+    <p:sldLayoutId id="2147483654" r:id="rId5"/>
+    <p:sldLayoutId id="2147483655" r:id="rId6"/>
+    <p:sldLayoutId id="2147483656" r:id="rId7"/>
+    <p:sldLayoutId id="2147483657" r:id="rId8"/>
+    <p:sldLayoutId id="2147483658" r:id="rId9"/>
+    <p:sldLayoutId id="2147483659" r:id="rId10"/>
   </p:sldLayoutIdLst>
   <p:hf sldNum="0" hdr="0" ftr="0" dt="0"/>
   <p:txStyles>
@@ -12383,74 +11654,6 @@
               <a:t>, 321-335.</a:t>
             </a:r>
             <a:endParaRPr sz="3800" dirty="0">
-              <a:solidFill>
-                <a:schemeClr val="tx1"/>
-              </a:solidFill>
-              <a:latin typeface="Garamond" panose="02020404030301010803" pitchFamily="18" charset="0"/>
-            </a:endParaRPr>
-          </a:p>
-        </p:txBody>
-      </p:sp>
-      <p:sp>
-        <p:nvSpPr>
-          <p:cNvPr id="40" name="Google Shape;152;p2">
-            <a:extLst>
-              <a:ext uri="{FF2B5EF4-FFF2-40B4-BE49-F238E27FC236}">
-                <a16:creationId xmlns:a16="http://schemas.microsoft.com/office/drawing/2014/main" id="{72B9807F-8E00-8FF5-6DA4-8E27D6EF7975}"/>
-              </a:ext>
-            </a:extLst>
-          </p:cNvPr>
-          <p:cNvSpPr/>
-          <p:nvPr/>
-        </p:nvSpPr>
-        <p:spPr>
-          <a:xfrm>
-            <a:off x="14666188" y="16223208"/>
-            <a:ext cx="5345837" cy="5433189"/>
-          </a:xfrm>
-          <a:prstGeom prst="rect">
-            <a:avLst/>
-          </a:prstGeom>
-          <a:solidFill>
-            <a:srgbClr val="F2F2F2"/>
-          </a:solidFill>
-          <a:ln w="12700" cap="flat" cmpd="sng">
-            <a:solidFill>
-              <a:schemeClr val="accent4">
-                <a:lumMod val="75000"/>
-              </a:schemeClr>
-            </a:solidFill>
-            <a:prstDash val="solid"/>
-            <a:miter lim="800000"/>
-            <a:headEnd type="none" w="sm" len="sm"/>
-            <a:tailEnd type="none" w="sm" len="sm"/>
-          </a:ln>
-        </p:spPr>
-        <p:txBody>
-          <a:bodyPr spcFirstLastPara="1" wrap="square" lIns="91425" tIns="45700" rIns="91425" bIns="45700" anchor="ctr" anchorCtr="0">
-            <a:noAutofit/>
-          </a:bodyPr>
-          <a:lstStyle/>
-          <a:p>
-            <a:pPr marL="0" marR="0" lvl="0" indent="0" algn="ctr" rtl="0">
-              <a:spcBef>
-                <a:spcPts val="0"/>
-              </a:spcBef>
-              <a:spcAft>
-                <a:spcPts val="0"/>
-              </a:spcAft>
-              <a:buNone/>
-            </a:pPr>
-            <a:r>
-              <a:rPr lang="en-US" dirty="0">
-                <a:solidFill>
-                  <a:schemeClr val="tx1"/>
-                </a:solidFill>
-                <a:latin typeface="Garamond" panose="02020404030301010803" pitchFamily="18" charset="0"/>
-              </a:rPr>
-              <a:t>QR CODE</a:t>
-            </a:r>
-            <a:endParaRPr dirty="0">
               <a:solidFill>
                 <a:schemeClr val="tx1"/>
               </a:solidFill>
@@ -15750,6 +14953,36 @@
           </a:p>
         </p:txBody>
       </p:sp>
+      <p:pic>
+        <p:nvPicPr>
+          <p:cNvPr id="21" name="Picture 20" descr="A qr code on a white background&#10;&#10;Description automatically generated">
+            <a:extLst>
+              <a:ext uri="{FF2B5EF4-FFF2-40B4-BE49-F238E27FC236}">
+                <a16:creationId xmlns:a16="http://schemas.microsoft.com/office/drawing/2014/main" id="{A57F47EE-24DA-E1DA-3B39-1E6C8AE13427}"/>
+              </a:ext>
+            </a:extLst>
+          </p:cNvPr>
+          <p:cNvPicPr>
+            <a:picLocks noChangeAspect="1"/>
+          </p:cNvPicPr>
+          <p:nvPr/>
+        </p:nvPicPr>
+        <p:blipFill>
+          <a:blip r:embed="rId9"/>
+          <a:stretch>
+            <a:fillRect/>
+          </a:stretch>
+        </p:blipFill>
+        <p:spPr>
+          <a:xfrm>
+            <a:off x="14707701" y="16193843"/>
+            <a:ext cx="5381937" cy="5381937"/>
+          </a:xfrm>
+          <a:prstGeom prst="rect">
+            <a:avLst/>
+          </a:prstGeom>
+        </p:spPr>
+      </p:pic>
     </p:spTree>
     <p:extLst>
       <p:ext uri="{BB962C8B-B14F-4D97-AF65-F5344CB8AC3E}">
@@ -16980,74 +16213,6 @@
               <a:t>, 321-335.</a:t>
             </a:r>
             <a:endParaRPr sz="3800" dirty="0">
-              <a:solidFill>
-                <a:schemeClr val="tx1"/>
-              </a:solidFill>
-              <a:latin typeface="Garamond" panose="02020404030301010803" pitchFamily="18" charset="0"/>
-            </a:endParaRPr>
-          </a:p>
-        </p:txBody>
-      </p:sp>
-      <p:sp>
-        <p:nvSpPr>
-          <p:cNvPr id="38" name="Google Shape;152;p2">
-            <a:extLst>
-              <a:ext uri="{FF2B5EF4-FFF2-40B4-BE49-F238E27FC236}">
-                <a16:creationId xmlns:a16="http://schemas.microsoft.com/office/drawing/2014/main" id="{FCAD91A0-A1BB-CF9E-B19D-369006A2D98C}"/>
-              </a:ext>
-            </a:extLst>
-          </p:cNvPr>
-          <p:cNvSpPr/>
-          <p:nvPr/>
-        </p:nvSpPr>
-        <p:spPr>
-          <a:xfrm>
-            <a:off x="14157766" y="16599003"/>
-            <a:ext cx="5880421" cy="5433189"/>
-          </a:xfrm>
-          <a:prstGeom prst="rect">
-            <a:avLst/>
-          </a:prstGeom>
-          <a:solidFill>
-            <a:srgbClr val="F2F2F2"/>
-          </a:solidFill>
-          <a:ln w="12700" cap="flat" cmpd="sng">
-            <a:solidFill>
-              <a:schemeClr val="accent4">
-                <a:lumMod val="75000"/>
-              </a:schemeClr>
-            </a:solidFill>
-            <a:prstDash val="solid"/>
-            <a:miter lim="800000"/>
-            <a:headEnd type="none" w="sm" len="sm"/>
-            <a:tailEnd type="none" w="sm" len="sm"/>
-          </a:ln>
-        </p:spPr>
-        <p:txBody>
-          <a:bodyPr spcFirstLastPara="1" wrap="square" lIns="91425" tIns="45700" rIns="91425" bIns="45700" anchor="ctr" anchorCtr="0">
-            <a:noAutofit/>
-          </a:bodyPr>
-          <a:lstStyle/>
-          <a:p>
-            <a:pPr marL="0" marR="0" lvl="0" indent="0" algn="ctr" rtl="0">
-              <a:spcBef>
-                <a:spcPts val="0"/>
-              </a:spcBef>
-              <a:spcAft>
-                <a:spcPts val="0"/>
-              </a:spcAft>
-              <a:buNone/>
-            </a:pPr>
-            <a:r>
-              <a:rPr lang="en-US" sz="3200" dirty="0">
-                <a:solidFill>
-                  <a:schemeClr val="tx1"/>
-                </a:solidFill>
-                <a:latin typeface="Garamond" panose="02020404030301010803" pitchFamily="18" charset="0"/>
-              </a:rPr>
-              <a:t>QR Code</a:t>
-            </a:r>
-            <a:endParaRPr sz="3200" dirty="0">
               <a:solidFill>
                 <a:schemeClr val="tx1"/>
               </a:solidFill>
@@ -19336,8 +18501,8 @@
         </p:nvSpPr>
         <p:spPr>
           <a:xfrm>
-            <a:off x="12930406" y="5213010"/>
-            <a:ext cx="18460251" cy="10619225"/>
+            <a:off x="13024358" y="4907106"/>
+            <a:ext cx="18970115" cy="11346519"/>
           </a:xfrm>
           <a:prstGeom prst="rect">
             <a:avLst/>
@@ -19401,8 +18566,8 @@
         </p:nvSpPr>
         <p:spPr>
           <a:xfrm>
-            <a:off x="20723116" y="14700574"/>
-            <a:ext cx="11036121" cy="8498093"/>
+            <a:off x="18271070" y="14855300"/>
+            <a:ext cx="10577804" cy="7908263"/>
           </a:xfrm>
           <a:prstGeom prst="rect">
             <a:avLst/>
@@ -19514,58 +18679,6 @@
               </a:solidFill>
               <a:latin typeface="Garamond" panose="02020404030301010803" pitchFamily="18" charset="0"/>
             </a:endParaRPr>
-          </a:p>
-        </p:txBody>
-      </p:sp>
-      <p:sp>
-        <p:nvSpPr>
-          <p:cNvPr id="81" name="TextBox 80">
-            <a:extLst>
-              <a:ext uri="{FF2B5EF4-FFF2-40B4-BE49-F238E27FC236}">
-                <a16:creationId xmlns:a16="http://schemas.microsoft.com/office/drawing/2014/main" id="{FAC3E830-4532-B7D1-4FD1-AE9BCCBEA1DD}"/>
-              </a:ext>
-            </a:extLst>
-          </p:cNvPr>
-          <p:cNvSpPr txBox="1"/>
-          <p:nvPr/>
-        </p:nvSpPr>
-        <p:spPr>
-          <a:xfrm>
-            <a:off x="14677221" y="15513538"/>
-            <a:ext cx="4613871" cy="584775"/>
-          </a:xfrm>
-          <a:prstGeom prst="rect">
-            <a:avLst/>
-          </a:prstGeom>
-          <a:solidFill>
-            <a:schemeClr val="accent4">
-              <a:lumMod val="75000"/>
-            </a:schemeClr>
-          </a:solidFill>
-          <a:ln>
-            <a:solidFill>
-              <a:schemeClr val="accent4">
-                <a:lumMod val="75000"/>
-              </a:schemeClr>
-            </a:solidFill>
-          </a:ln>
-        </p:spPr>
-        <p:txBody>
-          <a:bodyPr wrap="square" rtlCol="0">
-            <a:spAutoFit/>
-          </a:bodyPr>
-          <a:lstStyle/>
-          <a:p>
-            <a:pPr algn="ctr"/>
-            <a:r>
-              <a:rPr lang="en-US" sz="3200" b="1" dirty="0">
-                <a:solidFill>
-                  <a:schemeClr val="bg1"/>
-                </a:solidFill>
-                <a:latin typeface="Garamond" panose="02020404030301010803" pitchFamily="18" charset="0"/>
-              </a:rPr>
-              <a:t>Shiny App QR Code</a:t>
-            </a:r>
           </a:p>
         </p:txBody>
       </p:sp>
@@ -20332,8 +19445,8 @@
         </p:nvSpPr>
         <p:spPr>
           <a:xfrm>
-            <a:off x="12410396" y="22294730"/>
-            <a:ext cx="18436840" cy="10974017"/>
+            <a:off x="12020432" y="22106269"/>
+            <a:ext cx="18970114" cy="11314949"/>
           </a:xfrm>
           <a:prstGeom prst="rect">
             <a:avLst/>
@@ -20717,6 +19830,81 @@
           </a:p>
         </p:txBody>
       </p:sp>
+      <p:sp>
+        <p:nvSpPr>
+          <p:cNvPr id="2" name="TextBox 1">
+            <a:extLst>
+              <a:ext uri="{FF2B5EF4-FFF2-40B4-BE49-F238E27FC236}">
+                <a16:creationId xmlns:a16="http://schemas.microsoft.com/office/drawing/2014/main" id="{CFAE8B9B-8FE1-5F79-11CE-82EA3F3D891C}"/>
+              </a:ext>
+            </a:extLst>
+          </p:cNvPr>
+          <p:cNvSpPr txBox="1"/>
+          <p:nvPr/>
+        </p:nvSpPr>
+        <p:spPr>
+          <a:xfrm>
+            <a:off x="14159786" y="15371969"/>
+            <a:ext cx="3159702" cy="1569660"/>
+          </a:xfrm>
+          <a:prstGeom prst="rect">
+            <a:avLst/>
+          </a:prstGeom>
+          <a:noFill/>
+          <a:ln>
+            <a:solidFill>
+              <a:schemeClr val="accent4">
+                <a:lumMod val="75000"/>
+              </a:schemeClr>
+            </a:solidFill>
+          </a:ln>
+        </p:spPr>
+        <p:txBody>
+          <a:bodyPr wrap="square" rtlCol="0">
+            <a:spAutoFit/>
+          </a:bodyPr>
+          <a:lstStyle/>
+          <a:p>
+            <a:pPr algn="ctr"/>
+            <a:r>
+              <a:rPr lang="en-US" sz="3200" b="1" dirty="0">
+                <a:latin typeface="Garamond" panose="02020404030301010803" pitchFamily="18" charset="0"/>
+              </a:rPr>
+              <a:t>Empowerment through the Decades</a:t>
+            </a:r>
+          </a:p>
+        </p:txBody>
+      </p:sp>
+      <p:pic>
+        <p:nvPicPr>
+          <p:cNvPr id="3" name="Picture 2" descr="A qr code on a white background&#10;&#10;Description automatically generated">
+            <a:extLst>
+              <a:ext uri="{FF2B5EF4-FFF2-40B4-BE49-F238E27FC236}">
+                <a16:creationId xmlns:a16="http://schemas.microsoft.com/office/drawing/2014/main" id="{32B82FE7-A262-9A50-8077-D4E76845889E}"/>
+              </a:ext>
+            </a:extLst>
+          </p:cNvPr>
+          <p:cNvPicPr>
+            <a:picLocks noChangeAspect="1"/>
+          </p:cNvPicPr>
+          <p:nvPr/>
+        </p:nvPicPr>
+        <p:blipFill>
+          <a:blip r:embed="rId9"/>
+          <a:stretch>
+            <a:fillRect/>
+          </a:stretch>
+        </p:blipFill>
+        <p:spPr>
+          <a:xfrm>
+            <a:off x="13912217" y="17075421"/>
+            <a:ext cx="3654840" cy="3654840"/>
+          </a:xfrm>
+          <a:prstGeom prst="rect">
+            <a:avLst/>
+          </a:prstGeom>
+        </p:spPr>
+      </p:pic>
     </p:spTree>
   </p:cSld>
   <p:clrMapOvr>
